--- a/LiteratureReview/ppt/自主移动车原型设计.pptx
+++ b/LiteratureReview/ppt/自主移动车原型设计.pptx
@@ -29,29 +29,29 @@
     <p:sldId id="272" r:id="rId17"/>
     <p:sldId id="273" r:id="rId18"/>
     <p:sldId id="274" r:id="rId19"/>
-    <p:sldId id="286" r:id="rId20"/>
-    <p:sldId id="287" r:id="rId21"/>
-    <p:sldId id="288" r:id="rId22"/>
-    <p:sldId id="301" r:id="rId23"/>
-    <p:sldId id="275" r:id="rId24"/>
-    <p:sldId id="277" r:id="rId25"/>
-    <p:sldId id="276" r:id="rId26"/>
-    <p:sldId id="278" r:id="rId27"/>
-    <p:sldId id="279" r:id="rId28"/>
-    <p:sldId id="280" r:id="rId29"/>
-    <p:sldId id="282" r:id="rId30"/>
-    <p:sldId id="289" r:id="rId31"/>
-    <p:sldId id="290" r:id="rId32"/>
-    <p:sldId id="291" r:id="rId33"/>
-    <p:sldId id="292" r:id="rId34"/>
-    <p:sldId id="298" r:id="rId35"/>
-    <p:sldId id="263" r:id="rId36"/>
-    <p:sldId id="265" r:id="rId37"/>
-    <p:sldId id="266" r:id="rId38"/>
-    <p:sldId id="293" r:id="rId39"/>
-    <p:sldId id="294" r:id="rId40"/>
-    <p:sldId id="295" r:id="rId41"/>
-    <p:sldId id="297" r:id="rId42"/>
+    <p:sldId id="287" r:id="rId20"/>
+    <p:sldId id="288" r:id="rId21"/>
+    <p:sldId id="301" r:id="rId22"/>
+    <p:sldId id="275" r:id="rId23"/>
+    <p:sldId id="277" r:id="rId24"/>
+    <p:sldId id="276" r:id="rId25"/>
+    <p:sldId id="278" r:id="rId26"/>
+    <p:sldId id="279" r:id="rId27"/>
+    <p:sldId id="280" r:id="rId28"/>
+    <p:sldId id="289" r:id="rId29"/>
+    <p:sldId id="290" r:id="rId30"/>
+    <p:sldId id="291" r:id="rId31"/>
+    <p:sldId id="292" r:id="rId32"/>
+    <p:sldId id="298" r:id="rId33"/>
+    <p:sldId id="263" r:id="rId34"/>
+    <p:sldId id="265" r:id="rId35"/>
+    <p:sldId id="266" r:id="rId36"/>
+    <p:sldId id="302" r:id="rId37"/>
+    <p:sldId id="293" r:id="rId38"/>
+    <p:sldId id="294" r:id="rId39"/>
+    <p:sldId id="303" r:id="rId40"/>
+    <p:sldId id="297" r:id="rId41"/>
+    <p:sldId id="295" r:id="rId42"/>
     <p:sldId id="260" r:id="rId43"/>
     <p:sldId id="261" r:id="rId44"/>
   </p:sldIdLst>
@@ -1080,18 +1080,7 @@
               <a:buFont typeface="Arial" panose="020B0604020202020204" pitchFamily="34" charset="0"/>
               <a:buChar char="•"/>
             </a:pPr>
-            <a:r>
-              <a:rPr lang="zh-CN" altLang="en-US" dirty="0"/>
-              <a:t>避障：可 以充分利用</a:t>
-            </a:r>
-            <a:r>
-              <a:rPr lang="en-US" altLang="zh-CN" dirty="0" err="1"/>
-              <a:t>OpenMV</a:t>
-            </a:r>
-            <a:r>
-              <a:rPr lang="zh-CN" altLang="en-US" dirty="0"/>
-              <a:t>获得的二维图像信息与较好的前瞻性，并用激光测距测量小车其他方向距障碍物的距离作为补充</a:t>
-            </a:r>
+            <a:endParaRPr lang="zh-CN" altLang="en-US" dirty="0"/>
           </a:p>
         </p:txBody>
       </p:sp>
@@ -1121,7 +1110,7 @@
     </p:spTree>
     <p:extLst>
       <p:ext uri="{BB962C8B-B14F-4D97-AF65-F5344CB8AC3E}">
-        <p14:creationId xmlns:p14="http://schemas.microsoft.com/office/powerpoint/2010/main" val="2077750992"/>
+        <p14:creationId xmlns:p14="http://schemas.microsoft.com/office/powerpoint/2010/main" val="2703558357"/>
       </p:ext>
     </p:extLst>
   </p:cSld>
@@ -1209,7 +1198,7 @@
     </p:spTree>
     <p:extLst>
       <p:ext uri="{BB962C8B-B14F-4D97-AF65-F5344CB8AC3E}">
-        <p14:creationId xmlns:p14="http://schemas.microsoft.com/office/powerpoint/2010/main" val="2703558357"/>
+        <p14:creationId xmlns:p14="http://schemas.microsoft.com/office/powerpoint/2010/main" val="4059407558"/>
       </p:ext>
     </p:extLst>
   </p:cSld>
@@ -1267,7 +1256,21 @@
               <a:buFont typeface="Arial" panose="020B0604020202020204" pitchFamily="34" charset="0"/>
               <a:buChar char="•"/>
             </a:pPr>
-            <a:endParaRPr lang="zh-CN" altLang="en-US" dirty="0"/>
+            <a:r>
+              <a:rPr lang="zh-CN" altLang="en-US" dirty="0"/>
+              <a:t>红外：白色物体反射的最远距离较大；黑色物体反射的最远 距离较小，但无法检测透明的或近似黑体的物体；面积大的物体所能探测的距离大，面积小的物体所能 探测的距离小</a:t>
+            </a:r>
+            <a:endParaRPr lang="en-US" altLang="zh-CN" dirty="0"/>
+          </a:p>
+          <a:p>
+            <a:pPr marL="171450" indent="-171450">
+              <a:buFont typeface="Arial" panose="020B0604020202020204" pitchFamily="34" charset="0"/>
+              <a:buChar char="•"/>
+            </a:pPr>
+            <a:r>
+              <a:rPr lang="zh-CN" altLang="en-US" dirty="0"/>
+              <a:t>毫米波：非金属表面反射不佳，检测困难</a:t>
+            </a:r>
           </a:p>
         </p:txBody>
       </p:sp>
@@ -1288,7 +1291,7 @@
           <a:p>
             <a:fld id="{85D0DACE-38E0-42D2-9336-2B707D34BC6D}" type="slidenum">
               <a:rPr lang="zh-CN" altLang="en-US" smtClean="0"/>
-              <a:t>21</a:t>
+              <a:t>22</a:t>
             </a:fld>
             <a:endParaRPr lang="zh-CN" altLang="en-US"/>
           </a:p>
@@ -1297,7 +1300,7 @@
     </p:spTree>
     <p:extLst>
       <p:ext uri="{BB962C8B-B14F-4D97-AF65-F5344CB8AC3E}">
-        <p14:creationId xmlns:p14="http://schemas.microsoft.com/office/powerpoint/2010/main" val="4059407558"/>
+        <p14:creationId xmlns:p14="http://schemas.microsoft.com/office/powerpoint/2010/main" val="2596150640"/>
       </p:ext>
     </p:extLst>
   </p:cSld>
@@ -1356,19 +1359,36 @@
               <a:buChar char="•"/>
             </a:pPr>
             <a:r>
-              <a:rPr lang="zh-CN" altLang="en-US" dirty="0"/>
-              <a:t>红外：白色物体反射的最远距离较大；黑色物体反射的最远 距离较小，但无法检测透明的或近似黑体的物体；面积大的物体所能探测的距离大，面积小的物体所能 探测的距离小</a:t>
-            </a:r>
-            <a:endParaRPr lang="en-US" altLang="zh-CN" dirty="0"/>
-          </a:p>
-          <a:p>
-            <a:pPr marL="171450" indent="-171450">
-              <a:buFont typeface="Arial" panose="020B0604020202020204" pitchFamily="34" charset="0"/>
-              <a:buChar char="•"/>
-            </a:pPr>
-            <a:r>
-              <a:rPr lang="zh-CN" altLang="en-US" dirty="0"/>
-              <a:t>毫米波：非金属表面反射不佳，检测困难</a:t>
+              <a:rPr lang="en-US" altLang="zh-CN" dirty="0"/>
+              <a:t>A*</a:t>
+            </a:r>
+            <a:r>
+              <a:rPr lang="zh-CN" altLang="en-US" dirty="0"/>
+              <a:t>是</a:t>
+            </a:r>
+            <a:r>
+              <a:rPr lang="en-US" altLang="zh-CN" dirty="0"/>
+              <a:t>Dijkstra</a:t>
+            </a:r>
+            <a:r>
+              <a:rPr lang="zh-CN" altLang="en-US" dirty="0"/>
+              <a:t>算法和广度优先搜索算法（</a:t>
+            </a:r>
+            <a:r>
+              <a:rPr lang="en-US" altLang="zh-CN" dirty="0"/>
+              <a:t>BFS</a:t>
+            </a:r>
+            <a:r>
+              <a:rPr lang="zh-CN" altLang="en-US" dirty="0"/>
+              <a:t>）的结合体，利用启发 式函数</a:t>
+            </a:r>
+            <a:r>
+              <a:rPr lang="en-US" altLang="zh-CN" dirty="0"/>
+              <a:t>f(n)=g(n)+h(n)</a:t>
+            </a:r>
+            <a:r>
+              <a:rPr lang="zh-CN" altLang="en-US" dirty="0"/>
+              <a:t>快速找到最优路径。</a:t>
             </a:r>
           </a:p>
         </p:txBody>
@@ -1399,7 +1419,7 @@
     </p:spTree>
     <p:extLst>
       <p:ext uri="{BB962C8B-B14F-4D97-AF65-F5344CB8AC3E}">
-        <p14:creationId xmlns:p14="http://schemas.microsoft.com/office/powerpoint/2010/main" val="2596150640"/>
+        <p14:creationId xmlns:p14="http://schemas.microsoft.com/office/powerpoint/2010/main" val="2526635964"/>
       </p:ext>
     </p:extLst>
   </p:cSld>
@@ -1457,38 +1477,7 @@
               <a:buFont typeface="Arial" panose="020B0604020202020204" pitchFamily="34" charset="0"/>
               <a:buChar char="•"/>
             </a:pPr>
-            <a:r>
-              <a:rPr lang="en-US" altLang="zh-CN" dirty="0"/>
-              <a:t>A*</a:t>
-            </a:r>
-            <a:r>
-              <a:rPr lang="zh-CN" altLang="en-US" dirty="0"/>
-              <a:t>是</a:t>
-            </a:r>
-            <a:r>
-              <a:rPr lang="en-US" altLang="zh-CN" dirty="0"/>
-              <a:t>Dijkstra</a:t>
-            </a:r>
-            <a:r>
-              <a:rPr lang="zh-CN" altLang="en-US" dirty="0"/>
-              <a:t>算法和广度优先搜索算法（</a:t>
-            </a:r>
-            <a:r>
-              <a:rPr lang="en-US" altLang="zh-CN" dirty="0"/>
-              <a:t>BFS</a:t>
-            </a:r>
-            <a:r>
-              <a:rPr lang="zh-CN" altLang="en-US" dirty="0"/>
-              <a:t>）的结合体，利用启发 式函数</a:t>
-            </a:r>
-            <a:r>
-              <a:rPr lang="en-US" altLang="zh-CN" dirty="0"/>
-              <a:t>f(n)=g(n)+h(n)</a:t>
-            </a:r>
-            <a:r>
-              <a:rPr lang="zh-CN" altLang="en-US" dirty="0"/>
-              <a:t>快速找到最优路径。</a:t>
-            </a:r>
+            <a:endParaRPr lang="zh-CN" altLang="en-US" dirty="0"/>
           </a:p>
         </p:txBody>
       </p:sp>
@@ -1518,7 +1507,7 @@
     </p:spTree>
     <p:extLst>
       <p:ext uri="{BB962C8B-B14F-4D97-AF65-F5344CB8AC3E}">
-        <p14:creationId xmlns:p14="http://schemas.microsoft.com/office/powerpoint/2010/main" val="2526635964"/>
+        <p14:creationId xmlns:p14="http://schemas.microsoft.com/office/powerpoint/2010/main" val="952073521"/>
       </p:ext>
     </p:extLst>
   </p:cSld>
@@ -1606,7 +1595,7 @@
     </p:spTree>
     <p:extLst>
       <p:ext uri="{BB962C8B-B14F-4D97-AF65-F5344CB8AC3E}">
-        <p14:creationId xmlns:p14="http://schemas.microsoft.com/office/powerpoint/2010/main" val="952073521"/>
+        <p14:creationId xmlns:p14="http://schemas.microsoft.com/office/powerpoint/2010/main" val="3890058660"/>
       </p:ext>
     </p:extLst>
   </p:cSld>
@@ -1664,7 +1653,29 @@
               <a:buFont typeface="Arial" panose="020B0604020202020204" pitchFamily="34" charset="0"/>
               <a:buChar char="•"/>
             </a:pPr>
-            <a:endParaRPr lang="zh-CN" altLang="en-US" dirty="0"/>
+            <a:r>
+              <a:rPr lang="zh-CN" altLang="en-US" dirty="0"/>
+              <a:t>引力势场主要与汽车和目标点之间的距离有关。距离越大，汽车所受的势能值就越大；距离越小， 汽车所受的势能值就越小。</a:t>
+            </a:r>
+            <a:endParaRPr lang="en-US" altLang="zh-CN" dirty="0"/>
+          </a:p>
+          <a:p>
+            <a:pPr marL="171450" indent="-171450">
+              <a:buFont typeface="Arial" panose="020B0604020202020204" pitchFamily="34" charset="0"/>
+              <a:buChar char="•"/>
+            </a:pPr>
+            <a:r>
+              <a:rPr lang="zh-CN" altLang="en-US" dirty="0"/>
+              <a:t>决定障碍物斥力势场的因素是汽车与障碍物之间的距离。当汽车没有进入障碍物的影响范围时，其 受到的势能为 </a:t>
+            </a:r>
+            <a:r>
+              <a:rPr lang="en-US" altLang="zh-CN" dirty="0"/>
+              <a:t>0;</a:t>
+            </a:r>
+            <a:r>
+              <a:rPr lang="zh-CN" altLang="en-US" dirty="0"/>
+              <a:t>汽车进入障碍物影响范围后，汽车受到的势能与距离的关系呈负相关。</a:t>
+            </a:r>
           </a:p>
         </p:txBody>
       </p:sp>
@@ -1694,7 +1705,7 @@
     </p:spTree>
     <p:extLst>
       <p:ext uri="{BB962C8B-B14F-4D97-AF65-F5344CB8AC3E}">
-        <p14:creationId xmlns:p14="http://schemas.microsoft.com/office/powerpoint/2010/main" val="3890058660"/>
+        <p14:creationId xmlns:p14="http://schemas.microsoft.com/office/powerpoint/2010/main" val="1728702746"/>
       </p:ext>
     </p:extLst>
   </p:cSld>
@@ -1836,29 +1847,7 @@
               <a:buFont typeface="Arial" panose="020B0604020202020204" pitchFamily="34" charset="0"/>
               <a:buChar char="•"/>
             </a:pPr>
-            <a:r>
-              <a:rPr lang="zh-CN" altLang="en-US" dirty="0"/>
-              <a:t>引力势场主要与汽车和目标点之间的距离有关。距离越大，汽车所受的势能值就越大；距离越小， 汽车所受的势能值就越小。</a:t>
-            </a:r>
-            <a:endParaRPr lang="en-US" altLang="zh-CN" dirty="0"/>
-          </a:p>
-          <a:p>
-            <a:pPr marL="171450" indent="-171450">
-              <a:buFont typeface="Arial" panose="020B0604020202020204" pitchFamily="34" charset="0"/>
-              <a:buChar char="•"/>
-            </a:pPr>
-            <a:r>
-              <a:rPr lang="zh-CN" altLang="en-US" dirty="0"/>
-              <a:t>决定障碍物斥力势场的因素是汽车与障碍物之间的距离。当汽车没有进入障碍物的影响范围时，其 受到的势能为 </a:t>
-            </a:r>
-            <a:r>
-              <a:rPr lang="en-US" altLang="zh-CN" dirty="0"/>
-              <a:t>0;</a:t>
-            </a:r>
-            <a:r>
-              <a:rPr lang="zh-CN" altLang="en-US" dirty="0"/>
-              <a:t>汽车进入障碍物影响范围后，汽车受到的势能与距离的关系呈负相关。</a:t>
-            </a:r>
+            <a:endParaRPr lang="zh-CN" altLang="en-US" dirty="0"/>
           </a:p>
         </p:txBody>
       </p:sp>
@@ -1888,7 +1877,7 @@
     </p:spTree>
     <p:extLst>
       <p:ext uri="{BB962C8B-B14F-4D97-AF65-F5344CB8AC3E}">
-        <p14:creationId xmlns:p14="http://schemas.microsoft.com/office/powerpoint/2010/main" val="1728702746"/>
+        <p14:creationId xmlns:p14="http://schemas.microsoft.com/office/powerpoint/2010/main" val="3486469032"/>
       </p:ext>
     </p:extLst>
   </p:cSld>
@@ -1976,7 +1965,7 @@
     </p:spTree>
     <p:extLst>
       <p:ext uri="{BB962C8B-B14F-4D97-AF65-F5344CB8AC3E}">
-        <p14:creationId xmlns:p14="http://schemas.microsoft.com/office/powerpoint/2010/main" val="3486469032"/>
+        <p14:creationId xmlns:p14="http://schemas.microsoft.com/office/powerpoint/2010/main" val="4243276498"/>
       </p:ext>
     </p:extLst>
   </p:cSld>
@@ -2064,7 +2053,7 @@
     </p:spTree>
     <p:extLst>
       <p:ext uri="{BB962C8B-B14F-4D97-AF65-F5344CB8AC3E}">
-        <p14:creationId xmlns:p14="http://schemas.microsoft.com/office/powerpoint/2010/main" val="665436657"/>
+        <p14:creationId xmlns:p14="http://schemas.microsoft.com/office/powerpoint/2010/main" val="1999829078"/>
       </p:ext>
     </p:extLst>
   </p:cSld>
@@ -2152,7 +2141,7 @@
     </p:spTree>
     <p:extLst>
       <p:ext uri="{BB962C8B-B14F-4D97-AF65-F5344CB8AC3E}">
-        <p14:creationId xmlns:p14="http://schemas.microsoft.com/office/powerpoint/2010/main" val="4243276498"/>
+        <p14:creationId xmlns:p14="http://schemas.microsoft.com/office/powerpoint/2010/main" val="4043120620"/>
       </p:ext>
     </p:extLst>
   </p:cSld>
@@ -2240,7 +2229,7 @@
     </p:spTree>
     <p:extLst>
       <p:ext uri="{BB962C8B-B14F-4D97-AF65-F5344CB8AC3E}">
-        <p14:creationId xmlns:p14="http://schemas.microsoft.com/office/powerpoint/2010/main" val="1999829078"/>
+        <p14:creationId xmlns:p14="http://schemas.microsoft.com/office/powerpoint/2010/main" val="3610014706"/>
       </p:ext>
     </p:extLst>
   </p:cSld>
@@ -2294,11 +2283,18 @@
           <a:bodyPr/>
           <a:lstStyle/>
           <a:p>
-            <a:pPr marL="171450" indent="-171450">
-              <a:buFont typeface="Arial" panose="020B0604020202020204" pitchFamily="34" charset="0"/>
-              <a:buChar char="•"/>
-            </a:pPr>
-            <a:endParaRPr lang="zh-CN" altLang="en-US" dirty="0"/>
+            <a:r>
+              <a:rPr lang="zh-CN" altLang="en-US" dirty="0"/>
+              <a:t>通信部份主要依靠蓝牙实现。我们希望可以在电脑上实现</a:t>
+            </a:r>
+            <a:r>
+              <a:rPr lang="en-US" altLang="zh-CN" dirty="0"/>
+              <a:t>UI</a:t>
+            </a:r>
+            <a:r>
+              <a:rPr lang="zh-CN" altLang="en-US" dirty="0"/>
+              <a:t>界面实时查看小车的情况。</a:t>
+            </a:r>
           </a:p>
         </p:txBody>
       </p:sp>
@@ -2319,7 +2315,7 @@
           <a:p>
             <a:fld id="{85D0DACE-38E0-42D2-9336-2B707D34BC6D}" type="slidenum">
               <a:rPr lang="zh-CN" altLang="en-US" smtClean="0"/>
-              <a:t>32</a:t>
+              <a:t>36</a:t>
             </a:fld>
             <a:endParaRPr lang="zh-CN" altLang="en-US"/>
           </a:p>
@@ -2328,7 +2324,7 @@
     </p:spTree>
     <p:extLst>
       <p:ext uri="{BB962C8B-B14F-4D97-AF65-F5344CB8AC3E}">
-        <p14:creationId xmlns:p14="http://schemas.microsoft.com/office/powerpoint/2010/main" val="4043120620"/>
+        <p14:creationId xmlns:p14="http://schemas.microsoft.com/office/powerpoint/2010/main" val="2906804413"/>
       </p:ext>
     </p:extLst>
   </p:cSld>
@@ -2407,7 +2403,7 @@
           <a:p>
             <a:fld id="{85D0DACE-38E0-42D2-9336-2B707D34BC6D}" type="slidenum">
               <a:rPr lang="zh-CN" altLang="en-US" smtClean="0"/>
-              <a:t>33</a:t>
+              <a:t>37</a:t>
             </a:fld>
             <a:endParaRPr lang="zh-CN" altLang="en-US"/>
           </a:p>
@@ -2416,7 +2412,7 @@
     </p:spTree>
     <p:extLst>
       <p:ext uri="{BB962C8B-B14F-4D97-AF65-F5344CB8AC3E}">
-        <p14:creationId xmlns:p14="http://schemas.microsoft.com/office/powerpoint/2010/main" val="3610014706"/>
+        <p14:creationId xmlns:p14="http://schemas.microsoft.com/office/powerpoint/2010/main" val="410837346"/>
       </p:ext>
     </p:extLst>
   </p:cSld>
@@ -2504,7 +2500,7 @@
     </p:spTree>
     <p:extLst>
       <p:ext uri="{BB962C8B-B14F-4D97-AF65-F5344CB8AC3E}">
-        <p14:creationId xmlns:p14="http://schemas.microsoft.com/office/powerpoint/2010/main" val="410837346"/>
+        <p14:creationId xmlns:p14="http://schemas.microsoft.com/office/powerpoint/2010/main" val="3563333243"/>
       </p:ext>
     </p:extLst>
   </p:cSld>
@@ -2558,11 +2554,10 @@
           <a:bodyPr/>
           <a:lstStyle/>
           <a:p>
-            <a:pPr marL="171450" indent="-171450">
-              <a:buFont typeface="Arial" panose="020B0604020202020204" pitchFamily="34" charset="0"/>
-              <a:buChar char="•"/>
-            </a:pPr>
-            <a:endParaRPr lang="zh-CN" altLang="en-US" dirty="0"/>
+            <a:r>
+              <a:rPr lang="zh-CN" altLang="en-US" dirty="0"/>
+              <a:t>驱动模块主要包括传感器、处理器和电机，分别负责收集信息、处理信息和根据信息实现驱动。</a:t>
+            </a:r>
           </a:p>
         </p:txBody>
       </p:sp>
@@ -2592,7 +2587,7 @@
     </p:spTree>
     <p:extLst>
       <p:ext uri="{BB962C8B-B14F-4D97-AF65-F5344CB8AC3E}">
-        <p14:creationId xmlns:p14="http://schemas.microsoft.com/office/powerpoint/2010/main" val="3563333243"/>
+        <p14:creationId xmlns:p14="http://schemas.microsoft.com/office/powerpoint/2010/main" val="2797555619"/>
       </p:ext>
     </p:extLst>
   </p:cSld>
@@ -2680,7 +2675,7 @@
     </p:spTree>
     <p:extLst>
       <p:ext uri="{BB962C8B-B14F-4D97-AF65-F5344CB8AC3E}">
-        <p14:creationId xmlns:p14="http://schemas.microsoft.com/office/powerpoint/2010/main" val="759239799"/>
+        <p14:creationId xmlns:p14="http://schemas.microsoft.com/office/powerpoint/2010/main" val="537560914"/>
       </p:ext>
     </p:extLst>
   </p:cSld>
@@ -2852,7 +2847,7 @@
     </p:spTree>
     <p:extLst>
       <p:ext uri="{BB962C8B-B14F-4D97-AF65-F5344CB8AC3E}">
-        <p14:creationId xmlns:p14="http://schemas.microsoft.com/office/powerpoint/2010/main" val="537560914"/>
+        <p14:creationId xmlns:p14="http://schemas.microsoft.com/office/powerpoint/2010/main" val="759239799"/>
       </p:ext>
     </p:extLst>
   </p:cSld>
@@ -5994,7 +5989,15 @@
             </a:r>
             <a:r>
               <a:rPr lang="zh-CN" altLang="en-US" dirty="0"/>
-              <a:t>，因此抓取结构中的机械爪需与货 物尺寸相匹配，且相应舵机需要有足够的力矩。</a:t>
+              <a:t>，因此抓取结构中的机械爪需</a:t>
+            </a:r>
+            <a:r>
+              <a:rPr lang="zh-CN" altLang="en-US"/>
+              <a:t>与货物</a:t>
+            </a:r>
+            <a:r>
+              <a:rPr lang="zh-CN" altLang="en-US" dirty="0"/>
+              <a:t>尺寸相匹配，且相应舵机需要有足够的力矩。</a:t>
             </a:r>
             <a:endParaRPr lang="en-US" altLang="zh-CN" dirty="0"/>
           </a:p>
@@ -6007,7 +6010,23 @@
           <a:p>
             <a:r>
               <a:rPr lang="zh-CN" altLang="en-US" dirty="0"/>
-              <a:t>抓取结构大小与工作空间：因小车本身体积有限，因此抓取结构不应过大。除此之外，还需考虑抓 取结构的工作空间，如不能遮挡摄像头视野等。</a:t>
+              <a:t>抓取结构大小与工作空间：因小车本身体积有限，因此抓取结构不应过大</a:t>
+            </a:r>
+            <a:r>
+              <a:rPr lang="zh-CN" altLang="en-US"/>
+              <a:t>。除此之外，还</a:t>
+            </a:r>
+            <a:r>
+              <a:rPr lang="zh-CN" altLang="en-US" dirty="0"/>
+              <a:t>需</a:t>
+            </a:r>
+            <a:r>
+              <a:rPr lang="zh-CN" altLang="en-US"/>
+              <a:t>考虑抓取</a:t>
+            </a:r>
+            <a:r>
+              <a:rPr lang="zh-CN" altLang="en-US" dirty="0"/>
+              <a:t>结构的工作空间，如不能遮挡摄像头视野等。</a:t>
             </a:r>
             <a:endParaRPr lang="en-US" altLang="zh-CN" dirty="0"/>
           </a:p>
@@ -6181,7 +6200,15 @@
             </a:r>
             <a:r>
               <a:rPr lang="zh-CN" altLang="en-US" dirty="0"/>
-              <a:t>：分为磁力吸盘和真空吸盘两大类。磁力吸盘的体积小，自重轻，吸持力强，但对所抓取的物品有磁性的要求。真空吸盘原理简单，操作相对容易，但前 提是要保证所抓取物品表面足够平整光滑，且对于后期维护保养的要求较高。</a:t>
+              <a:t>：分为磁力吸盘和真空吸盘两大类。磁力吸盘的体积小，自重轻，吸持力强，但对所抓取的物品有磁性的要求。真空吸盘原理简单，操作相对容易，</a:t>
+            </a:r>
+            <a:r>
+              <a:rPr lang="zh-CN" altLang="en-US"/>
+              <a:t>但前提</a:t>
+            </a:r>
+            <a:r>
+              <a:rPr lang="zh-CN" altLang="en-US" dirty="0"/>
+              <a:t>是要保证所抓取物品表面足够平整光滑，且对于后期维护保养的要求较高。</a:t>
             </a:r>
             <a:endParaRPr lang="en-US" altLang="zh-CN" dirty="0"/>
           </a:p>
@@ -6864,7 +6891,11 @@
           <a:p>
             <a:r>
               <a:rPr lang="zh-CN" altLang="en-US" dirty="0"/>
-              <a:t>循迹算法：需要小车既能完成循迹任务，又能尽可能快速、平滑地通过</a:t>
+              <a:t>循迹算法：需要小车既能完成循迹任务，又能尽可能快速、平滑</a:t>
+            </a:r>
+            <a:r>
+              <a:rPr lang="zh-CN" altLang="en-US"/>
+              <a:t>地通过。</a:t>
             </a:r>
             <a:endParaRPr lang="en-US" altLang="zh-CN" dirty="0"/>
           </a:p>
@@ -6874,8 +6905,13 @@
           <a:p>
             <a:r>
               <a:rPr lang="zh-CN" altLang="en-US" dirty="0"/>
-              <a:t>避障算法：需要小车避开碰撞并且向目标点进发</a:t>
-            </a:r>
+              <a:t>避障算法：需要小车避开碰撞并且向目标</a:t>
+            </a:r>
+            <a:r>
+              <a:rPr lang="zh-CN" altLang="en-US"/>
+              <a:t>点进发。</a:t>
+            </a:r>
+            <a:endParaRPr lang="zh-CN" altLang="en-US" dirty="0"/>
           </a:p>
         </p:txBody>
       </p:sp>
@@ -7306,21 +7342,41 @@
             </a:r>
             <a:r>
               <a:rPr lang="zh-CN" altLang="en-US" dirty="0"/>
-              <a:t>：红外传感器、光敏电阻等。只能给出是否检测到线的信息，而不能给出线的远近、角度信息，这 使得它无法实现更加复杂和高效的控制算法。</a:t>
-            </a:r>
-          </a:p>
-          <a:p>
-            <a:r>
-              <a:rPr lang="zh-CN" altLang="en-US" b="1" dirty="0"/>
+              <a:t>：红外传感器、光敏电阻等。只能给出是否检测到线的信息，而不能给出线的远近、角度信息</a:t>
+            </a:r>
+            <a:r>
+              <a:rPr lang="zh-CN" altLang="en-US"/>
+              <a:t>，这使得</a:t>
+            </a:r>
+            <a:r>
+              <a:rPr lang="zh-CN" altLang="en-US" dirty="0"/>
+              <a:t>它无法实现更加复杂和高效的控制算法。</a:t>
+            </a:r>
+          </a:p>
+          <a:p>
+            <a:r>
+              <a:rPr lang="zh-CN" altLang="en-US" b="1"/>
               <a:t>算法</a:t>
             </a:r>
             <a:r>
-              <a:rPr lang="en-US" altLang="zh-CN" dirty="0"/>
-              <a:t>:</a:t>
-            </a:r>
-            <a:r>
-              <a:rPr lang="zh-CN" altLang="en-US" dirty="0"/>
-              <a:t>点观测传感器实际上提供了有限的状态数，只要根据状态给定行为就可以完成简单的 控制。这只需要简单的</a:t>
+              <a:rPr lang="zh-CN" altLang="en-US" dirty="0"/>
+              <a:t>：</a:t>
+            </a:r>
+            <a:r>
+              <a:rPr lang="zh-CN" altLang="en-US"/>
+              <a:t>点</a:t>
+            </a:r>
+            <a:r>
+              <a:rPr lang="zh-CN" altLang="en-US" dirty="0"/>
+              <a:t>观测传感器实际上提供了有限的状态数，只要根据状态给定行为就可以完成</a:t>
+            </a:r>
+            <a:r>
+              <a:rPr lang="zh-CN" altLang="en-US"/>
+              <a:t>简单的控制</a:t>
+            </a:r>
+            <a:r>
+              <a:rPr lang="zh-CN" altLang="en-US" dirty="0"/>
+              <a:t>。这只需要简单的</a:t>
             </a:r>
             <a:r>
               <a:rPr lang="en-US" altLang="zh-CN" dirty="0"/>
@@ -7344,7 +7400,15 @@
             </a:r>
             <a:r>
               <a:rPr lang="zh-CN" altLang="en-US" dirty="0"/>
-              <a:t>个光敏电阻）或者进一步线性传 感器，我们可以度量与线之间的距离，因此可以引入</a:t>
+              <a:t>个光敏电阻）或者进一步</a:t>
+            </a:r>
+            <a:r>
+              <a:rPr lang="zh-CN" altLang="en-US"/>
+              <a:t>线性传感器</a:t>
+            </a:r>
+            <a:r>
+              <a:rPr lang="zh-CN" altLang="en-US" dirty="0"/>
+              <a:t>，我们可以度量与线之间的距离，因此可以引入</a:t>
             </a:r>
             <a:r>
               <a:rPr lang="en-US" altLang="zh-CN" dirty="0"/>
@@ -7945,7 +8009,7 @@
             </a:r>
             <a:r>
               <a:rPr lang="zh-CN" altLang="en-US" dirty="0"/>
-              <a:t>测量</a:t>
+              <a:t>循迹</a:t>
             </a:r>
           </a:p>
         </p:txBody>
@@ -7997,8 +8061,8 @@
         </p:nvSpPr>
         <p:spPr>
           <a:xfrm>
-            <a:off x="1777058" y="1902336"/>
-            <a:ext cx="8421452" cy="3975223"/>
+            <a:off x="1777058" y="1902337"/>
+            <a:ext cx="8421452" cy="2359947"/>
           </a:xfrm>
         </p:spPr>
         <p:txBody>
@@ -8007,49 +8071,48 @@
           </a:bodyPr>
           <a:lstStyle/>
           <a:p>
-            <a:r>
-              <a:rPr lang="zh-CN" altLang="en-US" dirty="0"/>
-              <a:t>小车位姿测量：综合考虑各种传感器的性能之后，我们初步决定采用从动轮</a:t>
-            </a:r>
-            <a:r>
-              <a:rPr lang="en-US" altLang="zh-CN" dirty="0"/>
-              <a:t>+</a:t>
-            </a:r>
-            <a:r>
-              <a:rPr lang="zh-CN" altLang="en-US" dirty="0"/>
-              <a:t>里程计的方式测量小车移动的距离，用陀螺仪测量小车转过 的角度，从而确定小车的位姿。</a:t>
-            </a:r>
-            <a:endParaRPr lang="en-US" altLang="zh-CN" dirty="0"/>
-          </a:p>
-          <a:p>
-            <a:r>
-              <a:rPr lang="zh-CN" altLang="en-US" dirty="0"/>
-              <a:t>循迹中的测量：采用</a:t>
-            </a:r>
+            <a:pPr marL="0" indent="0">
+              <a:buNone/>
+            </a:pPr>
+            <a:r>
+              <a:rPr lang="en-US" altLang="zh-CN" b="1" dirty="0" err="1"/>
+              <a:t>OpenMV</a:t>
+            </a:r>
+            <a:endParaRPr lang="en-US" altLang="zh-CN" b="1" dirty="0"/>
+          </a:p>
+          <a:p>
+            <a:r>
+              <a:rPr lang="zh-CN" altLang="en-US"/>
+              <a:t>本身有一</a:t>
+            </a:r>
+            <a:r>
+              <a:rPr lang="zh-CN" altLang="en-US" dirty="0"/>
+              <a:t>个单片机，</a:t>
+            </a:r>
+            <a:r>
+              <a:rPr lang="zh-CN" altLang="en-US"/>
+              <a:t>具备计算处理</a:t>
+            </a:r>
+            <a:r>
+              <a:rPr lang="zh-CN" altLang="en-US" dirty="0"/>
+              <a:t>能力，有利于提高图像处理帧率，提高小车整体性能</a:t>
+            </a:r>
+            <a:r>
+              <a:rPr lang="zh-CN" altLang="en-US" b="1" dirty="0"/>
+              <a:t>。</a:t>
+            </a:r>
+            <a:endParaRPr lang="en-US" altLang="zh-CN" b="1" dirty="0"/>
+          </a:p>
+          <a:p>
             <a:r>
               <a:rPr lang="en-US" altLang="zh-CN" dirty="0" err="1"/>
               <a:t>OpenMV</a:t>
             </a:r>
             <a:r>
               <a:rPr lang="zh-CN" altLang="en-US" dirty="0"/>
-              <a:t>视觉传感器，其具备计算处理能力，有利于提高图像处理帧率，同时封装性良好，便于我们在短时间内快速学习并应用。 </a:t>
-            </a:r>
-            <a:endParaRPr lang="en-US" altLang="zh-CN" dirty="0"/>
-          </a:p>
-          <a:p>
-            <a:r>
-              <a:rPr lang="zh-CN" altLang="en-US" dirty="0"/>
-              <a:t>避障中的测量：采用激光测距传感器获取距离信息为主，辅以</a:t>
-            </a:r>
-            <a:r>
-              <a:rPr lang="en-US" altLang="zh-CN" dirty="0" err="1"/>
-              <a:t>OpenMV</a:t>
-            </a:r>
-            <a:r>
-              <a:rPr lang="zh-CN" altLang="en-US" dirty="0"/>
-              <a:t>视觉传感器进行目标识别再通过随机算法与人工势场法的加权实现小车前进方向的实时更新。</a:t>
-            </a:r>
-            <a:endParaRPr lang="en-US" altLang="zh-CN" dirty="0"/>
+              <a:t>配套开发工具封装良好，官方文档详细，开放资源丰富。</a:t>
+            </a:r>
+            <a:endParaRPr lang="en-US" altLang="zh-CN" b="1" dirty="0"/>
           </a:p>
         </p:txBody>
       </p:sp>
@@ -8076,7 +8139,7 @@
           <a:p>
             <a:r>
               <a:rPr lang="zh-CN" altLang="en-US" dirty="0"/>
-              <a:t>测量</a:t>
+              <a:t>传感器</a:t>
             </a:r>
           </a:p>
         </p:txBody>
@@ -8084,7 +8147,7 @@
     </p:spTree>
     <p:extLst>
       <p:ext uri="{BB962C8B-B14F-4D97-AF65-F5344CB8AC3E}">
-        <p14:creationId xmlns:p14="http://schemas.microsoft.com/office/powerpoint/2010/main" val="2710743627"/>
+        <p14:creationId xmlns:p14="http://schemas.microsoft.com/office/powerpoint/2010/main" val="4124192463"/>
       </p:ext>
     </p:extLst>
   </p:cSld>
@@ -8798,8 +8861,8 @@
         </p:nvSpPr>
         <p:spPr>
           <a:xfrm>
-            <a:off x="1777058" y="1902337"/>
-            <a:ext cx="8421452" cy="2359947"/>
+            <a:off x="1777058" y="1902336"/>
+            <a:ext cx="8421452" cy="3414457"/>
           </a:xfrm>
         </p:spPr>
         <p:txBody>
@@ -8812,30 +8875,83 @@
               <a:buNone/>
             </a:pPr>
             <a:r>
-              <a:rPr lang="en-US" altLang="zh-CN" b="1" dirty="0" err="1"/>
-              <a:t>OpenMV</a:t>
-            </a:r>
-            <a:endParaRPr lang="en-US" altLang="zh-CN" b="1" dirty="0"/>
-          </a:p>
-          <a:p>
-            <a:r>
-              <a:rPr lang="zh-CN" altLang="en-US" dirty="0"/>
-              <a:t>本身是一个单片机，具备计算 处理能力，有利于提高图像处理帧率，提高小车整体性能</a:t>
-            </a:r>
-            <a:r>
               <a:rPr lang="zh-CN" altLang="en-US" b="1" dirty="0"/>
-              <a:t>。</a:t>
-            </a:r>
-            <a:endParaRPr lang="en-US" altLang="zh-CN" b="1" dirty="0"/>
-          </a:p>
-          <a:p>
+              <a:t>预处理</a:t>
+            </a:r>
+            <a:r>
+              <a:rPr lang="en-US" altLang="zh-CN" b="1" dirty="0"/>
+              <a:t>+PID</a:t>
+            </a:r>
+          </a:p>
+          <a:p>
+            <a:r>
+              <a:rPr lang="zh-CN" altLang="en-US" dirty="0"/>
+              <a:t>利用</a:t>
+            </a:r>
             <a:r>
               <a:rPr lang="en-US" altLang="zh-CN" dirty="0" err="1"/>
               <a:t>OpenMV</a:t>
             </a:r>
             <a:r>
               <a:rPr lang="zh-CN" altLang="en-US" dirty="0"/>
-              <a:t>配套开发工具封装良好，官方文档详细，开放资源丰富。</a:t>
+              <a:t>自带的二值化工具将裁剪后的图像转化成黑白图像。</a:t>
+            </a:r>
+            <a:endParaRPr lang="en-US" altLang="zh-CN" dirty="0"/>
+          </a:p>
+          <a:p>
+            <a:r>
+              <a:rPr lang="zh-CN" altLang="en-US" dirty="0"/>
+              <a:t>选取视场中</a:t>
+            </a:r>
+            <a:r>
+              <a:rPr lang="zh-CN" altLang="en-US"/>
+              <a:t>中间靠前</a:t>
+            </a:r>
+            <a:r>
+              <a:rPr lang="zh-CN" altLang="en-US" dirty="0"/>
+              <a:t>的区域作为</a:t>
+            </a:r>
+            <a:r>
+              <a:rPr lang="en-US" altLang="zh-CN" dirty="0"/>
+              <a:t>ROI</a:t>
+            </a:r>
+            <a:r>
+              <a:rPr lang="zh-CN" altLang="en-US" dirty="0"/>
+              <a:t>进行裁剪或矩阵池化来缩小矩阵。</a:t>
+            </a:r>
+            <a:endParaRPr lang="en-US" altLang="zh-CN" dirty="0"/>
+          </a:p>
+          <a:p>
+            <a:r>
+              <a:rPr lang="zh-CN" altLang="en-US" dirty="0"/>
+              <a:t>用</a:t>
+            </a:r>
+            <a:r>
+              <a:rPr lang="en-US" altLang="zh-CN" dirty="0" err="1"/>
+              <a:t>OpenMV</a:t>
+            </a:r>
+            <a:r>
+              <a:rPr lang="zh-CN" altLang="en-US" dirty="0"/>
+              <a:t>自带的拟合函数计算出黑线</a:t>
+            </a:r>
+            <a:r>
+              <a:rPr lang="zh-CN" altLang="en-US"/>
+              <a:t>方程。根据</a:t>
+            </a:r>
+            <a:r>
+              <a:rPr lang="zh-CN" altLang="en-US" dirty="0"/>
+              <a:t>黑线斜率给出转向控制量。</a:t>
+            </a:r>
+            <a:endParaRPr lang="en-US" altLang="zh-CN" dirty="0"/>
+          </a:p>
+          <a:p>
+            <a:r>
+              <a:rPr lang="en-US" altLang="zh-CN" dirty="0"/>
+              <a:t>PID</a:t>
+            </a:r>
+            <a:r>
+              <a:rPr lang="zh-CN" altLang="en-US" dirty="0"/>
+              <a:t>的误差量是黑线斜率和基准斜率的差距，而控制量是两轮之间的转速差。</a:t>
             </a:r>
             <a:endParaRPr lang="en-US" altLang="zh-CN" b="1" dirty="0"/>
           </a:p>
@@ -8864,7 +8980,7 @@
           <a:p>
             <a:r>
               <a:rPr lang="zh-CN" altLang="en-US" dirty="0"/>
-              <a:t>传感器</a:t>
+              <a:t>算法选择</a:t>
             </a:r>
           </a:p>
         </p:txBody>
@@ -8872,7 +8988,7 @@
     </p:spTree>
     <p:extLst>
       <p:ext uri="{BB962C8B-B14F-4D97-AF65-F5344CB8AC3E}">
-        <p14:creationId xmlns:p14="http://schemas.microsoft.com/office/powerpoint/2010/main" val="4124192463"/>
+        <p14:creationId xmlns:p14="http://schemas.microsoft.com/office/powerpoint/2010/main" val="3843661613"/>
       </p:ext>
     </p:extLst>
   </p:cSld>
@@ -8901,227 +9017,6 @@
       </p:grpSpPr>
       <p:sp>
         <p:nvSpPr>
-          <p:cNvPr id="2" name="标题 1">
-            <a:extLst>
-              <a:ext uri="{FF2B5EF4-FFF2-40B4-BE49-F238E27FC236}">
-                <a16:creationId xmlns:a16="http://schemas.microsoft.com/office/drawing/2014/main" id="{6BEADDC3-B002-A220-24D6-C1A95402C2CC}"/>
-              </a:ext>
-            </a:extLst>
-          </p:cNvPr>
-          <p:cNvSpPr>
-            <a:spLocks noGrp="1"/>
-          </p:cNvSpPr>
-          <p:nvPr>
-            <p:ph type="title"/>
-          </p:nvPr>
-        </p:nvSpPr>
-        <p:spPr/>
-        <p:txBody>
-          <a:bodyPr/>
-          <a:lstStyle/>
-          <a:p>
-            <a:r>
-              <a:rPr lang="zh-CN" altLang="en-US" dirty="0"/>
-              <a:t>原型设计</a:t>
-            </a:r>
-            <a:r>
-              <a:rPr lang="en-US" altLang="zh-CN" dirty="0"/>
-              <a:t>——</a:t>
-            </a:r>
-            <a:r>
-              <a:rPr lang="zh-CN" altLang="en-US" dirty="0"/>
-              <a:t>循迹</a:t>
-            </a:r>
-          </a:p>
-        </p:txBody>
-      </p:sp>
-      <p:sp>
-        <p:nvSpPr>
-          <p:cNvPr id="3" name="文本占位符 2">
-            <a:extLst>
-              <a:ext uri="{FF2B5EF4-FFF2-40B4-BE49-F238E27FC236}">
-                <a16:creationId xmlns:a16="http://schemas.microsoft.com/office/drawing/2014/main" id="{1A4952E6-1AA6-40E7-FDBE-74C587CDAE24}"/>
-              </a:ext>
-            </a:extLst>
-          </p:cNvPr>
-          <p:cNvSpPr>
-            <a:spLocks noGrp="1"/>
-          </p:cNvSpPr>
-          <p:nvPr>
-            <p:ph type="body" sz="half" idx="25"/>
-          </p:nvPr>
-        </p:nvSpPr>
-        <p:spPr/>
-        <p:txBody>
-          <a:bodyPr/>
-          <a:lstStyle/>
-          <a:p>
-            <a:r>
-              <a:rPr lang="en-US" altLang="zh-CN" dirty="0"/>
-              <a:t>03</a:t>
-            </a:r>
-            <a:endParaRPr lang="zh-CN" altLang="en-US" dirty="0"/>
-          </a:p>
-        </p:txBody>
-      </p:sp>
-      <p:sp>
-        <p:nvSpPr>
-          <p:cNvPr id="4" name="文本占位符 3">
-            <a:extLst>
-              <a:ext uri="{FF2B5EF4-FFF2-40B4-BE49-F238E27FC236}">
-                <a16:creationId xmlns:a16="http://schemas.microsoft.com/office/drawing/2014/main" id="{221EA1F1-8C02-DC62-E35F-43F18992D1D9}"/>
-              </a:ext>
-            </a:extLst>
-          </p:cNvPr>
-          <p:cNvSpPr>
-            <a:spLocks noGrp="1"/>
-          </p:cNvSpPr>
-          <p:nvPr>
-            <p:ph type="body" sz="half" idx="2"/>
-          </p:nvPr>
-        </p:nvSpPr>
-        <p:spPr>
-          <a:xfrm>
-            <a:off x="1777058" y="1902336"/>
-            <a:ext cx="8421452" cy="3414457"/>
-          </a:xfrm>
-        </p:spPr>
-        <p:txBody>
-          <a:bodyPr>
-            <a:normAutofit/>
-          </a:bodyPr>
-          <a:lstStyle/>
-          <a:p>
-            <a:pPr marL="0" indent="0">
-              <a:buNone/>
-            </a:pPr>
-            <a:r>
-              <a:rPr lang="zh-CN" altLang="en-US" b="1" dirty="0"/>
-              <a:t>预处理</a:t>
-            </a:r>
-            <a:r>
-              <a:rPr lang="en-US" altLang="zh-CN" b="1" dirty="0"/>
-              <a:t>+PID</a:t>
-            </a:r>
-          </a:p>
-          <a:p>
-            <a:r>
-              <a:rPr lang="zh-CN" altLang="en-US" dirty="0"/>
-              <a:t>利用</a:t>
-            </a:r>
-            <a:r>
-              <a:rPr lang="en-US" altLang="zh-CN" dirty="0" err="1"/>
-              <a:t>OpenMV</a:t>
-            </a:r>
-            <a:r>
-              <a:rPr lang="zh-CN" altLang="en-US" dirty="0"/>
-              <a:t>自带的二值化工具将裁剪后的图像转化成黑白图像。</a:t>
-            </a:r>
-            <a:endParaRPr lang="en-US" altLang="zh-CN" dirty="0"/>
-          </a:p>
-          <a:p>
-            <a:r>
-              <a:rPr lang="zh-CN" altLang="en-US" dirty="0"/>
-              <a:t>选取视场中中间靠 前的区域作为</a:t>
-            </a:r>
-            <a:r>
-              <a:rPr lang="en-US" altLang="zh-CN" dirty="0"/>
-              <a:t>ROI</a:t>
-            </a:r>
-            <a:r>
-              <a:rPr lang="zh-CN" altLang="en-US" dirty="0"/>
-              <a:t>进行裁剪或矩阵池化来缩小矩阵。</a:t>
-            </a:r>
-            <a:endParaRPr lang="en-US" altLang="zh-CN" dirty="0"/>
-          </a:p>
-          <a:p>
-            <a:r>
-              <a:rPr lang="zh-CN" altLang="en-US" dirty="0"/>
-              <a:t>用</a:t>
-            </a:r>
-            <a:r>
-              <a:rPr lang="en-US" altLang="zh-CN" dirty="0" err="1"/>
-              <a:t>OpenMV</a:t>
-            </a:r>
-            <a:r>
-              <a:rPr lang="zh-CN" altLang="en-US" dirty="0"/>
-              <a:t>自带的拟合函数计算出黑线方程。 根据黑线斜率给出转向控制量。</a:t>
-            </a:r>
-            <a:endParaRPr lang="en-US" altLang="zh-CN" dirty="0"/>
-          </a:p>
-          <a:p>
-            <a:r>
-              <a:rPr lang="en-US" altLang="zh-CN" dirty="0"/>
-              <a:t>PID</a:t>
-            </a:r>
-            <a:r>
-              <a:rPr lang="zh-CN" altLang="en-US" dirty="0"/>
-              <a:t>的误差量是黑线斜率和基准斜率的差距，而控制量是两轮之间的转速差。</a:t>
-            </a:r>
-            <a:endParaRPr lang="en-US" altLang="zh-CN" b="1" dirty="0"/>
-          </a:p>
-        </p:txBody>
-      </p:sp>
-      <p:sp>
-        <p:nvSpPr>
-          <p:cNvPr id="6" name="文本占位符 5">
-            <a:extLst>
-              <a:ext uri="{FF2B5EF4-FFF2-40B4-BE49-F238E27FC236}">
-                <a16:creationId xmlns:a16="http://schemas.microsoft.com/office/drawing/2014/main" id="{8369D94C-E1B9-C600-1B05-5DFE21BE8262}"/>
-              </a:ext>
-            </a:extLst>
-          </p:cNvPr>
-          <p:cNvSpPr>
-            <a:spLocks noGrp="1"/>
-          </p:cNvSpPr>
-          <p:nvPr>
-            <p:ph type="body" sz="half" idx="24"/>
-          </p:nvPr>
-        </p:nvSpPr>
-        <p:spPr/>
-        <p:txBody>
-          <a:bodyPr/>
-          <a:lstStyle/>
-          <a:p>
-            <a:r>
-              <a:rPr lang="zh-CN" altLang="en-US" dirty="0"/>
-              <a:t>算法选择</a:t>
-            </a:r>
-          </a:p>
-        </p:txBody>
-      </p:sp>
-    </p:spTree>
-    <p:extLst>
-      <p:ext uri="{BB962C8B-B14F-4D97-AF65-F5344CB8AC3E}">
-        <p14:creationId xmlns:p14="http://schemas.microsoft.com/office/powerpoint/2010/main" val="3843661613"/>
-      </p:ext>
-    </p:extLst>
-  </p:cSld>
-  <p:clrMapOvr>
-    <a:masterClrMapping/>
-  </p:clrMapOvr>
-</p:sld>
-</file>
-
-<file path=ppt/slides/slide22.xml><?xml version="1.0" encoding="utf-8"?>
-<p:sld xmlns:a="http://schemas.openxmlformats.org/drawingml/2006/main" xmlns:r="http://schemas.openxmlformats.org/officeDocument/2006/relationships" xmlns:p="http://schemas.openxmlformats.org/presentationml/2006/main">
-  <p:cSld>
-    <p:spTree>
-      <p:nvGrpSpPr>
-        <p:cNvPr id="1" name=""/>
-        <p:cNvGrpSpPr/>
-        <p:nvPr/>
-      </p:nvGrpSpPr>
-      <p:grpSpPr>
-        <a:xfrm>
-          <a:off x="0" y="0"/>
-          <a:ext cx="0" cy="0"/>
-          <a:chOff x="0" y="0"/>
-          <a:chExt cx="0" cy="0"/>
-        </a:xfrm>
-      </p:grpSpPr>
-      <p:sp>
-        <p:nvSpPr>
           <p:cNvPr id="2" name="标题 1"/>
           <p:cNvSpPr>
             <a:spLocks noGrp="1"/>
@@ -9179,7 +9074,7 @@
 </p:sld>
 </file>
 
-<file path=ppt/slides/slide23.xml><?xml version="1.0" encoding="utf-8"?>
+<file path=ppt/slides/slide22.xml><?xml version="1.0" encoding="utf-8"?>
 <p:sld xmlns:a="http://schemas.openxmlformats.org/drawingml/2006/main" xmlns:r="http://schemas.openxmlformats.org/officeDocument/2006/relationships" xmlns:p="http://schemas.openxmlformats.org/presentationml/2006/main">
   <p:cSld>
     <p:spTree>
@@ -9567,7 +9462,15 @@
           <a:p>
             <a:r>
               <a:rPr lang="zh-CN" altLang="en-US" dirty="0"/>
-              <a:t>位置信息可以用矢量表示，因此需要一个角度信息和一个距离信息，分别由陀螺仪和里程计两种传感器 测量并提供。</a:t>
+              <a:t>位置信息可以用矢量表示，因此需要一个角度信息和一个距离信息，分别由陀螺仪和里程计</a:t>
+            </a:r>
+            <a:r>
+              <a:rPr lang="zh-CN" altLang="en-US"/>
+              <a:t>两种传感器测量</a:t>
+            </a:r>
+            <a:r>
+              <a:rPr lang="zh-CN" altLang="en-US" dirty="0"/>
+              <a:t>并提供。</a:t>
             </a:r>
             <a:endParaRPr lang="zh-CN" altLang="en-US" b="1" dirty="0"/>
           </a:p>
@@ -9577,6 +9480,199 @@
     <p:extLst>
       <p:ext uri="{BB962C8B-B14F-4D97-AF65-F5344CB8AC3E}">
         <p14:creationId xmlns:p14="http://schemas.microsoft.com/office/powerpoint/2010/main" val="2934197608"/>
+      </p:ext>
+    </p:extLst>
+  </p:cSld>
+  <p:clrMapOvr>
+    <a:masterClrMapping/>
+  </p:clrMapOvr>
+</p:sld>
+</file>
+
+<file path=ppt/slides/slide23.xml><?xml version="1.0" encoding="utf-8"?>
+<p:sld xmlns:a="http://schemas.openxmlformats.org/drawingml/2006/main" xmlns:r="http://schemas.openxmlformats.org/officeDocument/2006/relationships" xmlns:p="http://schemas.openxmlformats.org/presentationml/2006/main">
+  <p:cSld>
+    <p:spTree>
+      <p:nvGrpSpPr>
+        <p:cNvPr id="1" name=""/>
+        <p:cNvGrpSpPr/>
+        <p:nvPr/>
+      </p:nvGrpSpPr>
+      <p:grpSpPr>
+        <a:xfrm>
+          <a:off x="0" y="0"/>
+          <a:ext cx="0" cy="0"/>
+          <a:chOff x="0" y="0"/>
+          <a:chExt cx="0" cy="0"/>
+        </a:xfrm>
+      </p:grpSpPr>
+      <p:sp>
+        <p:nvSpPr>
+          <p:cNvPr id="2" name="标题 1">
+            <a:extLst>
+              <a:ext uri="{FF2B5EF4-FFF2-40B4-BE49-F238E27FC236}">
+                <a16:creationId xmlns:a16="http://schemas.microsoft.com/office/drawing/2014/main" id="{6BEADDC3-B002-A220-24D6-C1A95402C2CC}"/>
+              </a:ext>
+            </a:extLst>
+          </p:cNvPr>
+          <p:cNvSpPr>
+            <a:spLocks noGrp="1"/>
+          </p:cNvSpPr>
+          <p:nvPr>
+            <p:ph type="title"/>
+          </p:nvPr>
+        </p:nvSpPr>
+        <p:spPr/>
+        <p:txBody>
+          <a:bodyPr/>
+          <a:lstStyle/>
+          <a:p>
+            <a:r>
+              <a:rPr lang="zh-CN" altLang="en-US" dirty="0"/>
+              <a:t>文献综述</a:t>
+            </a:r>
+            <a:r>
+              <a:rPr lang="en-US" altLang="zh-CN" dirty="0"/>
+              <a:t>——</a:t>
+            </a:r>
+            <a:r>
+              <a:rPr lang="zh-CN" altLang="en-US" dirty="0"/>
+              <a:t>避障</a:t>
+            </a:r>
+          </a:p>
+        </p:txBody>
+      </p:sp>
+      <p:sp>
+        <p:nvSpPr>
+          <p:cNvPr id="3" name="文本占位符 2">
+            <a:extLst>
+              <a:ext uri="{FF2B5EF4-FFF2-40B4-BE49-F238E27FC236}">
+                <a16:creationId xmlns:a16="http://schemas.microsoft.com/office/drawing/2014/main" id="{1A4952E6-1AA6-40E7-FDBE-74C587CDAE24}"/>
+              </a:ext>
+            </a:extLst>
+          </p:cNvPr>
+          <p:cNvSpPr>
+            <a:spLocks noGrp="1"/>
+          </p:cNvSpPr>
+          <p:nvPr>
+            <p:ph type="body" sz="half" idx="25"/>
+          </p:nvPr>
+        </p:nvSpPr>
+        <p:spPr/>
+        <p:txBody>
+          <a:bodyPr/>
+          <a:lstStyle/>
+          <a:p>
+            <a:r>
+              <a:rPr lang="en-US" altLang="zh-CN" dirty="0"/>
+              <a:t>03</a:t>
+            </a:r>
+            <a:endParaRPr lang="zh-CN" altLang="en-US" dirty="0"/>
+          </a:p>
+        </p:txBody>
+      </p:sp>
+      <p:sp>
+        <p:nvSpPr>
+          <p:cNvPr id="4" name="文本占位符 3">
+            <a:extLst>
+              <a:ext uri="{FF2B5EF4-FFF2-40B4-BE49-F238E27FC236}">
+                <a16:creationId xmlns:a16="http://schemas.microsoft.com/office/drawing/2014/main" id="{221EA1F1-8C02-DC62-E35F-43F18992D1D9}"/>
+              </a:ext>
+            </a:extLst>
+          </p:cNvPr>
+          <p:cNvSpPr>
+            <a:spLocks noGrp="1"/>
+          </p:cNvSpPr>
+          <p:nvPr>
+            <p:ph type="body" sz="half" idx="2"/>
+          </p:nvPr>
+        </p:nvSpPr>
+        <p:spPr>
+          <a:xfrm>
+            <a:off x="1510347" y="2344993"/>
+            <a:ext cx="9171305" cy="3989439"/>
+          </a:xfrm>
+        </p:spPr>
+        <p:txBody>
+          <a:bodyPr>
+            <a:normAutofit/>
+          </a:bodyPr>
+          <a:lstStyle/>
+          <a:p>
+            <a:r>
+              <a:rPr lang="en-US" altLang="zh-CN" b="1" dirty="0"/>
+              <a:t>A*</a:t>
+            </a:r>
+            <a:r>
+              <a:rPr lang="zh-CN" altLang="en-US" b="1" dirty="0"/>
+              <a:t>算法</a:t>
+            </a:r>
+            <a:r>
+              <a:rPr lang="zh-CN" altLang="en-US" dirty="0"/>
+              <a:t>：已知全局地图，选择目前看来最快的一条路走，并且不断更新路径，直到找到最优的路线。</a:t>
+            </a:r>
+            <a:endParaRPr lang="en-US" altLang="zh-CN" dirty="0"/>
+          </a:p>
+          <a:p>
+            <a:endParaRPr lang="en-US" altLang="zh-CN" dirty="0"/>
+          </a:p>
+          <a:p>
+            <a:r>
+              <a:rPr lang="en-US" altLang="zh-CN" b="1" dirty="0"/>
+              <a:t>D*</a:t>
+            </a:r>
+            <a:r>
+              <a:rPr lang="zh-CN" altLang="en-US" b="1" dirty="0"/>
+              <a:t>算法</a:t>
+            </a:r>
+            <a:r>
+              <a:rPr lang="zh-CN" altLang="en-US" dirty="0"/>
+              <a:t>：已知部分地图，发现新的障碍物之后，</a:t>
+            </a:r>
+            <a:r>
+              <a:rPr lang="en-US" altLang="zh-CN" dirty="0"/>
+              <a:t>D*</a:t>
+            </a:r>
+            <a:r>
+              <a:rPr lang="zh-CN" altLang="en-US" dirty="0"/>
+              <a:t>算法会立刻重新帮你找到一条新的最快的路，绕过这个新发现的障碍物。</a:t>
+            </a:r>
+            <a:endParaRPr lang="en-US" altLang="zh-CN" dirty="0"/>
+          </a:p>
+        </p:txBody>
+      </p:sp>
+      <p:sp>
+        <p:nvSpPr>
+          <p:cNvPr id="6" name="文本占位符 5">
+            <a:extLst>
+              <a:ext uri="{FF2B5EF4-FFF2-40B4-BE49-F238E27FC236}">
+                <a16:creationId xmlns:a16="http://schemas.microsoft.com/office/drawing/2014/main" id="{8369D94C-E1B9-C600-1B05-5DFE21BE8262}"/>
+              </a:ext>
+            </a:extLst>
+          </p:cNvPr>
+          <p:cNvSpPr>
+            <a:spLocks noGrp="1"/>
+          </p:cNvSpPr>
+          <p:nvPr>
+            <p:ph type="body" sz="half" idx="24"/>
+          </p:nvPr>
+        </p:nvSpPr>
+        <p:spPr/>
+        <p:txBody>
+          <a:bodyPr/>
+          <a:lstStyle/>
+          <a:p>
+            <a:r>
+              <a:rPr lang="zh-CN" altLang="en-US" dirty="0"/>
+              <a:t>全局避障算法</a:t>
+            </a:r>
+          </a:p>
+        </p:txBody>
+      </p:sp>
+    </p:spTree>
+    <p:extLst>
+      <p:ext uri="{BB962C8B-B14F-4D97-AF65-F5344CB8AC3E}">
+        <p14:creationId xmlns:p14="http://schemas.microsoft.com/office/powerpoint/2010/main" val="130806930"/>
       </p:ext>
     </p:extLst>
   </p:cSld>
@@ -9686,199 +9782,6 @@
         </p:nvSpPr>
         <p:spPr>
           <a:xfrm>
-            <a:off x="1510347" y="2344993"/>
-            <a:ext cx="9171305" cy="3989439"/>
-          </a:xfrm>
-        </p:spPr>
-        <p:txBody>
-          <a:bodyPr>
-            <a:normAutofit/>
-          </a:bodyPr>
-          <a:lstStyle/>
-          <a:p>
-            <a:r>
-              <a:rPr lang="en-US" altLang="zh-CN" b="1" dirty="0"/>
-              <a:t>A*</a:t>
-            </a:r>
-            <a:r>
-              <a:rPr lang="zh-CN" altLang="en-US" b="1" dirty="0"/>
-              <a:t>算法</a:t>
-            </a:r>
-            <a:r>
-              <a:rPr lang="zh-CN" altLang="en-US" dirty="0"/>
-              <a:t>：已知全局地图，选择目前看来最快的一条路走，并且不断更新路径，直到找到最优的路线。</a:t>
-            </a:r>
-            <a:endParaRPr lang="en-US" altLang="zh-CN" dirty="0"/>
-          </a:p>
-          <a:p>
-            <a:endParaRPr lang="en-US" altLang="zh-CN" dirty="0"/>
-          </a:p>
-          <a:p>
-            <a:r>
-              <a:rPr lang="en-US" altLang="zh-CN" b="1" dirty="0"/>
-              <a:t>D*</a:t>
-            </a:r>
-            <a:r>
-              <a:rPr lang="zh-CN" altLang="en-US" b="1" dirty="0"/>
-              <a:t>算法</a:t>
-            </a:r>
-            <a:r>
-              <a:rPr lang="zh-CN" altLang="en-US" dirty="0"/>
-              <a:t>：已知部分地图，发现新的障碍物之后，</a:t>
-            </a:r>
-            <a:r>
-              <a:rPr lang="en-US" altLang="zh-CN" dirty="0"/>
-              <a:t>D*</a:t>
-            </a:r>
-            <a:r>
-              <a:rPr lang="zh-CN" altLang="en-US" dirty="0"/>
-              <a:t>算法会立刻重新帮你找到一条新的最快的路，绕过这个新发现的障碍物。</a:t>
-            </a:r>
-            <a:endParaRPr lang="en-US" altLang="zh-CN" dirty="0"/>
-          </a:p>
-        </p:txBody>
-      </p:sp>
-      <p:sp>
-        <p:nvSpPr>
-          <p:cNvPr id="6" name="文本占位符 5">
-            <a:extLst>
-              <a:ext uri="{FF2B5EF4-FFF2-40B4-BE49-F238E27FC236}">
-                <a16:creationId xmlns:a16="http://schemas.microsoft.com/office/drawing/2014/main" id="{8369D94C-E1B9-C600-1B05-5DFE21BE8262}"/>
-              </a:ext>
-            </a:extLst>
-          </p:cNvPr>
-          <p:cNvSpPr>
-            <a:spLocks noGrp="1"/>
-          </p:cNvSpPr>
-          <p:nvPr>
-            <p:ph type="body" sz="half" idx="24"/>
-          </p:nvPr>
-        </p:nvSpPr>
-        <p:spPr/>
-        <p:txBody>
-          <a:bodyPr/>
-          <a:lstStyle/>
-          <a:p>
-            <a:r>
-              <a:rPr lang="zh-CN" altLang="en-US" dirty="0"/>
-              <a:t>全局避障算法</a:t>
-            </a:r>
-          </a:p>
-        </p:txBody>
-      </p:sp>
-    </p:spTree>
-    <p:extLst>
-      <p:ext uri="{BB962C8B-B14F-4D97-AF65-F5344CB8AC3E}">
-        <p14:creationId xmlns:p14="http://schemas.microsoft.com/office/powerpoint/2010/main" val="130806930"/>
-      </p:ext>
-    </p:extLst>
-  </p:cSld>
-  <p:clrMapOvr>
-    <a:masterClrMapping/>
-  </p:clrMapOvr>
-</p:sld>
-</file>
-
-<file path=ppt/slides/slide25.xml><?xml version="1.0" encoding="utf-8"?>
-<p:sld xmlns:a="http://schemas.openxmlformats.org/drawingml/2006/main" xmlns:r="http://schemas.openxmlformats.org/officeDocument/2006/relationships" xmlns:p="http://schemas.openxmlformats.org/presentationml/2006/main">
-  <p:cSld>
-    <p:spTree>
-      <p:nvGrpSpPr>
-        <p:cNvPr id="1" name=""/>
-        <p:cNvGrpSpPr/>
-        <p:nvPr/>
-      </p:nvGrpSpPr>
-      <p:grpSpPr>
-        <a:xfrm>
-          <a:off x="0" y="0"/>
-          <a:ext cx="0" cy="0"/>
-          <a:chOff x="0" y="0"/>
-          <a:chExt cx="0" cy="0"/>
-        </a:xfrm>
-      </p:grpSpPr>
-      <p:sp>
-        <p:nvSpPr>
-          <p:cNvPr id="2" name="标题 1">
-            <a:extLst>
-              <a:ext uri="{FF2B5EF4-FFF2-40B4-BE49-F238E27FC236}">
-                <a16:creationId xmlns:a16="http://schemas.microsoft.com/office/drawing/2014/main" id="{6BEADDC3-B002-A220-24D6-C1A95402C2CC}"/>
-              </a:ext>
-            </a:extLst>
-          </p:cNvPr>
-          <p:cNvSpPr>
-            <a:spLocks noGrp="1"/>
-          </p:cNvSpPr>
-          <p:nvPr>
-            <p:ph type="title"/>
-          </p:nvPr>
-        </p:nvSpPr>
-        <p:spPr/>
-        <p:txBody>
-          <a:bodyPr/>
-          <a:lstStyle/>
-          <a:p>
-            <a:r>
-              <a:rPr lang="zh-CN" altLang="en-US" dirty="0"/>
-              <a:t>文献综述</a:t>
-            </a:r>
-            <a:r>
-              <a:rPr lang="en-US" altLang="zh-CN" dirty="0"/>
-              <a:t>——</a:t>
-            </a:r>
-            <a:r>
-              <a:rPr lang="zh-CN" altLang="en-US" dirty="0"/>
-              <a:t>避障</a:t>
-            </a:r>
-          </a:p>
-        </p:txBody>
-      </p:sp>
-      <p:sp>
-        <p:nvSpPr>
-          <p:cNvPr id="3" name="文本占位符 2">
-            <a:extLst>
-              <a:ext uri="{FF2B5EF4-FFF2-40B4-BE49-F238E27FC236}">
-                <a16:creationId xmlns:a16="http://schemas.microsoft.com/office/drawing/2014/main" id="{1A4952E6-1AA6-40E7-FDBE-74C587CDAE24}"/>
-              </a:ext>
-            </a:extLst>
-          </p:cNvPr>
-          <p:cNvSpPr>
-            <a:spLocks noGrp="1"/>
-          </p:cNvSpPr>
-          <p:nvPr>
-            <p:ph type="body" sz="half" idx="25"/>
-          </p:nvPr>
-        </p:nvSpPr>
-        <p:spPr/>
-        <p:txBody>
-          <a:bodyPr/>
-          <a:lstStyle/>
-          <a:p>
-            <a:r>
-              <a:rPr lang="en-US" altLang="zh-CN" dirty="0"/>
-              <a:t>03</a:t>
-            </a:r>
-            <a:endParaRPr lang="zh-CN" altLang="en-US" dirty="0"/>
-          </a:p>
-        </p:txBody>
-      </p:sp>
-      <p:sp>
-        <p:nvSpPr>
-          <p:cNvPr id="4" name="文本占位符 3">
-            <a:extLst>
-              <a:ext uri="{FF2B5EF4-FFF2-40B4-BE49-F238E27FC236}">
-                <a16:creationId xmlns:a16="http://schemas.microsoft.com/office/drawing/2014/main" id="{221EA1F1-8C02-DC62-E35F-43F18992D1D9}"/>
-              </a:ext>
-            </a:extLst>
-          </p:cNvPr>
-          <p:cNvSpPr>
-            <a:spLocks noGrp="1"/>
-          </p:cNvSpPr>
-          <p:nvPr>
-            <p:ph type="body" sz="half" idx="2"/>
-          </p:nvPr>
-        </p:nvSpPr>
-        <p:spPr>
-          <a:xfrm>
             <a:off x="1514366" y="1978660"/>
             <a:ext cx="4403833" cy="3824830"/>
           </a:xfrm>
@@ -9943,7 +9846,15 @@
           <a:p>
             <a:r>
               <a:rPr lang="zh-CN" altLang="en-US" dirty="0"/>
-              <a:t>它是一种全局最优解搜索的启发式优化算法，机制是模拟达尔文进化理论和自然界优胜劣汰。</a:t>
+              <a:t>它是一种</a:t>
+            </a:r>
+            <a:r>
+              <a:rPr lang="zh-CN" altLang="en-US" b="1" dirty="0"/>
+              <a:t>全局最优解搜索的启发式优化算法</a:t>
+            </a:r>
+            <a:r>
+              <a:rPr lang="zh-CN" altLang="en-US" dirty="0"/>
+              <a:t>，机制是模拟达尔文进化理论和自然界优胜劣汰。</a:t>
             </a:r>
             <a:endParaRPr lang="en-US" altLang="zh-CN" dirty="0"/>
           </a:p>
@@ -10026,7 +9937,7 @@
 </p:sld>
 </file>
 
-<file path=ppt/slides/slide26.xml><?xml version="1.0" encoding="utf-8"?>
+<file path=ppt/slides/slide25.xml><?xml version="1.0" encoding="utf-8"?>
 <p:sld xmlns:a="http://schemas.openxmlformats.org/drawingml/2006/main" xmlns:r="http://schemas.openxmlformats.org/officeDocument/2006/relationships" xmlns:p="http://schemas.openxmlformats.org/presentationml/2006/main">
   <p:cSld>
     <p:spTree>
@@ -10158,7 +10069,15 @@
             </a:r>
             <a:r>
               <a:rPr lang="zh-CN" altLang="en-US" dirty="0"/>
-              <a:t>年提出，是一种用于寻找优化路径的随机搜索算法。 </a:t>
+              <a:t>年提出，是一种用于</a:t>
+            </a:r>
+            <a:r>
+              <a:rPr lang="zh-CN" altLang="en-US" b="1" dirty="0"/>
+              <a:t>寻找优化路径的随机搜索算法</a:t>
+            </a:r>
+            <a:r>
+              <a:rPr lang="zh-CN" altLang="en-US" dirty="0"/>
+              <a:t>。 </a:t>
             </a:r>
             <a:endParaRPr lang="en-US" altLang="zh-CN" dirty="0"/>
           </a:p>
@@ -10263,7 +10182,7 @@
 </p:sld>
 </file>
 
-<file path=ppt/slides/slide27.xml><?xml version="1.0" encoding="utf-8"?>
+<file path=ppt/slides/slide26.xml><?xml version="1.0" encoding="utf-8"?>
 <p:sld xmlns:a="http://schemas.openxmlformats.org/drawingml/2006/main" xmlns:r="http://schemas.openxmlformats.org/officeDocument/2006/relationships" xmlns:p="http://schemas.openxmlformats.org/presentationml/2006/main">
   <p:cSld>
     <p:spTree>
@@ -10385,14 +10304,30 @@
           <a:p>
             <a:r>
               <a:rPr lang="zh-CN" altLang="en-US" dirty="0"/>
-              <a:t>是一种虚拟力法，它的思路是将车辆在周围环境中的运动视为车 辆在人工建立的虚拟力场中的运动。</a:t>
+              <a:t>是一种虚拟力法，它的思路是将车辆在周围环境中的运动</a:t>
+            </a:r>
+            <a:r>
+              <a:rPr lang="zh-CN" altLang="en-US"/>
+              <a:t>视为车辆</a:t>
+            </a:r>
+            <a:r>
+              <a:rPr lang="zh-CN" altLang="en-US" dirty="0"/>
+              <a:t>在人工建立的虚拟力场中的运动。</a:t>
             </a:r>
             <a:endParaRPr lang="en-US" altLang="zh-CN" dirty="0"/>
           </a:p>
           <a:p>
             <a:r>
               <a:rPr lang="zh-CN" altLang="en-US" dirty="0"/>
-              <a:t>目标点产生引力引导车辆向目标点运动；障碍物产生斥力，避免 车辆与障碍物相撞。</a:t>
+              <a:t>目标点产生引力引导车辆向目标点运动；障碍物产生斥力</a:t>
+            </a:r>
+            <a:r>
+              <a:rPr lang="zh-CN" altLang="en-US"/>
+              <a:t>，避免车辆</a:t>
+            </a:r>
+            <a:r>
+              <a:rPr lang="zh-CN" altLang="en-US" dirty="0"/>
+              <a:t>与障碍物相撞。</a:t>
             </a:r>
             <a:endParaRPr lang="en-US" altLang="zh-CN" dirty="0"/>
           </a:p>
@@ -10482,6 +10417,208 @@
 </p:sld>
 </file>
 
+<file path=ppt/slides/slide27.xml><?xml version="1.0" encoding="utf-8"?>
+<p:sld xmlns:a="http://schemas.openxmlformats.org/drawingml/2006/main" xmlns:r="http://schemas.openxmlformats.org/officeDocument/2006/relationships" xmlns:p="http://schemas.openxmlformats.org/presentationml/2006/main">
+  <p:cSld>
+    <p:spTree>
+      <p:nvGrpSpPr>
+        <p:cNvPr id="1" name=""/>
+        <p:cNvGrpSpPr/>
+        <p:nvPr/>
+      </p:nvGrpSpPr>
+      <p:grpSpPr>
+        <a:xfrm>
+          <a:off x="0" y="0"/>
+          <a:ext cx="0" cy="0"/>
+          <a:chOff x="0" y="0"/>
+          <a:chExt cx="0" cy="0"/>
+        </a:xfrm>
+      </p:grpSpPr>
+      <p:sp>
+        <p:nvSpPr>
+          <p:cNvPr id="2" name="标题 1">
+            <a:extLst>
+              <a:ext uri="{FF2B5EF4-FFF2-40B4-BE49-F238E27FC236}">
+                <a16:creationId xmlns:a16="http://schemas.microsoft.com/office/drawing/2014/main" id="{6BEADDC3-B002-A220-24D6-C1A95402C2CC}"/>
+              </a:ext>
+            </a:extLst>
+          </p:cNvPr>
+          <p:cNvSpPr>
+            <a:spLocks noGrp="1"/>
+          </p:cNvSpPr>
+          <p:nvPr>
+            <p:ph type="title"/>
+          </p:nvPr>
+        </p:nvSpPr>
+        <p:spPr/>
+        <p:txBody>
+          <a:bodyPr/>
+          <a:lstStyle/>
+          <a:p>
+            <a:r>
+              <a:rPr lang="zh-CN" altLang="en-US" dirty="0"/>
+              <a:t>文献综述</a:t>
+            </a:r>
+            <a:r>
+              <a:rPr lang="en-US" altLang="zh-CN" dirty="0"/>
+              <a:t>——</a:t>
+            </a:r>
+            <a:r>
+              <a:rPr lang="zh-CN" altLang="en-US" dirty="0"/>
+              <a:t>避障</a:t>
+            </a:r>
+          </a:p>
+        </p:txBody>
+      </p:sp>
+      <p:sp>
+        <p:nvSpPr>
+          <p:cNvPr id="3" name="文本占位符 2">
+            <a:extLst>
+              <a:ext uri="{FF2B5EF4-FFF2-40B4-BE49-F238E27FC236}">
+                <a16:creationId xmlns:a16="http://schemas.microsoft.com/office/drawing/2014/main" id="{1A4952E6-1AA6-40E7-FDBE-74C587CDAE24}"/>
+              </a:ext>
+            </a:extLst>
+          </p:cNvPr>
+          <p:cNvSpPr>
+            <a:spLocks noGrp="1"/>
+          </p:cNvSpPr>
+          <p:nvPr>
+            <p:ph type="body" sz="half" idx="25"/>
+          </p:nvPr>
+        </p:nvSpPr>
+        <p:spPr/>
+        <p:txBody>
+          <a:bodyPr/>
+          <a:lstStyle/>
+          <a:p>
+            <a:r>
+              <a:rPr lang="en-US" altLang="zh-CN" dirty="0"/>
+              <a:t>03</a:t>
+            </a:r>
+            <a:endParaRPr lang="zh-CN" altLang="en-US" dirty="0"/>
+          </a:p>
+        </p:txBody>
+      </p:sp>
+      <p:sp>
+        <p:nvSpPr>
+          <p:cNvPr id="4" name="文本占位符 3">
+            <a:extLst>
+              <a:ext uri="{FF2B5EF4-FFF2-40B4-BE49-F238E27FC236}">
+                <a16:creationId xmlns:a16="http://schemas.microsoft.com/office/drawing/2014/main" id="{221EA1F1-8C02-DC62-E35F-43F18992D1D9}"/>
+              </a:ext>
+            </a:extLst>
+          </p:cNvPr>
+          <p:cNvSpPr>
+            <a:spLocks noGrp="1"/>
+          </p:cNvSpPr>
+          <p:nvPr>
+            <p:ph type="body" sz="half" idx="2"/>
+          </p:nvPr>
+        </p:nvSpPr>
+        <p:spPr>
+          <a:xfrm>
+            <a:off x="1777058" y="1902336"/>
+            <a:ext cx="8421452" cy="3975223"/>
+          </a:xfrm>
+        </p:spPr>
+        <p:txBody>
+          <a:bodyPr>
+            <a:normAutofit/>
+          </a:bodyPr>
+          <a:lstStyle/>
+          <a:p>
+            <a:pPr marL="0" indent="0">
+              <a:buNone/>
+            </a:pPr>
+            <a:r>
+              <a:rPr lang="zh-CN" altLang="en-US" b="1" dirty="0"/>
+              <a:t>人工势场法的问题</a:t>
+            </a:r>
+            <a:endParaRPr lang="en-US" altLang="zh-CN" b="1" dirty="0"/>
+          </a:p>
+          <a:p>
+            <a:r>
+              <a:rPr lang="zh-CN" altLang="en-US" dirty="0"/>
+              <a:t>当目标点附近有障碍物时，斥力远远大于引力，车辆将很难到达目的地。</a:t>
+            </a:r>
+            <a:endParaRPr lang="en-US" altLang="zh-CN" dirty="0"/>
+          </a:p>
+          <a:p>
+            <a:r>
+              <a:rPr lang="zh-CN" altLang="en-US" dirty="0"/>
+              <a:t>当智能车在某一点引力和斥力刚好大小相等时，车辆会陷入局部最优点。</a:t>
+            </a:r>
+            <a:endParaRPr lang="en-US" altLang="zh-CN" dirty="0"/>
+          </a:p>
+          <a:p>
+            <a:r>
+              <a:rPr lang="zh-CN" altLang="en-US" dirty="0"/>
+              <a:t>当车辆到达障碍物附近时，人工势场模型产生的轨迹将出现抖动，不光滑。</a:t>
+            </a:r>
+            <a:endParaRPr lang="en-US" altLang="zh-CN" dirty="0"/>
+          </a:p>
+          <a:p>
+            <a:r>
+              <a:rPr lang="zh-CN" altLang="en-US"/>
+              <a:t>传统</a:t>
+            </a:r>
+            <a:r>
+              <a:rPr lang="zh-CN" altLang="en-US" dirty="0"/>
+              <a:t>人工势场只考虑了障碍物与目标点静止不动的静态环境，而车辆实际是在运动的环境中</a:t>
+            </a:r>
+            <a:r>
+              <a:rPr lang="zh-CN" altLang="en-US"/>
+              <a:t>，因此在</a:t>
+            </a:r>
+            <a:r>
+              <a:rPr lang="zh-CN" altLang="en-US" dirty="0"/>
+              <a:t>动态环境下无法取得良好的效果。</a:t>
+            </a:r>
+            <a:endParaRPr lang="en-US" altLang="zh-CN" dirty="0"/>
+          </a:p>
+        </p:txBody>
+      </p:sp>
+      <p:sp>
+        <p:nvSpPr>
+          <p:cNvPr id="6" name="文本占位符 5">
+            <a:extLst>
+              <a:ext uri="{FF2B5EF4-FFF2-40B4-BE49-F238E27FC236}">
+                <a16:creationId xmlns:a16="http://schemas.microsoft.com/office/drawing/2014/main" id="{8369D94C-E1B9-C600-1B05-5DFE21BE8262}"/>
+              </a:ext>
+            </a:extLst>
+          </p:cNvPr>
+          <p:cNvSpPr>
+            <a:spLocks noGrp="1"/>
+          </p:cNvSpPr>
+          <p:nvPr>
+            <p:ph type="body" sz="half" idx="24"/>
+          </p:nvPr>
+        </p:nvSpPr>
+        <p:spPr/>
+        <p:txBody>
+          <a:bodyPr/>
+          <a:lstStyle/>
+          <a:p>
+            <a:r>
+              <a:rPr lang="zh-CN" altLang="en-US" dirty="0"/>
+              <a:t>局部避障算法</a:t>
+            </a:r>
+          </a:p>
+        </p:txBody>
+      </p:sp>
+    </p:spTree>
+    <p:extLst>
+      <p:ext uri="{BB962C8B-B14F-4D97-AF65-F5344CB8AC3E}">
+        <p14:creationId xmlns:p14="http://schemas.microsoft.com/office/powerpoint/2010/main" val="1899482083"/>
+      </p:ext>
+    </p:extLst>
+  </p:cSld>
+  <p:clrMapOvr>
+    <a:masterClrMapping/>
+  </p:clrMapOvr>
+</p:sld>
+</file>
+
 <file path=ppt/slides/slide28.xml><?xml version="1.0" encoding="utf-8"?>
 <p:sld xmlns:a="http://schemas.openxmlformats.org/drawingml/2006/main" xmlns:r="http://schemas.openxmlformats.org/officeDocument/2006/relationships" xmlns:p="http://schemas.openxmlformats.org/presentationml/2006/main">
   <p:cSld>
@@ -10522,7 +10659,7 @@
           <a:p>
             <a:r>
               <a:rPr lang="zh-CN" altLang="en-US" dirty="0"/>
-              <a:t>文献综述</a:t>
+              <a:t>原型设计</a:t>
             </a:r>
             <a:r>
               <a:rPr lang="en-US" altLang="zh-CN" dirty="0"/>
@@ -10583,7 +10720,7 @@
         <p:spPr>
           <a:xfrm>
             <a:off x="1777058" y="1902336"/>
-            <a:ext cx="8421452" cy="3975223"/>
+            <a:ext cx="8421452" cy="3414457"/>
           </a:xfrm>
         </p:spPr>
         <p:txBody>
@@ -10592,49 +10729,45 @@
           </a:bodyPr>
           <a:lstStyle/>
           <a:p>
-            <a:pPr marL="0" indent="0">
-              <a:buNone/>
-            </a:pPr>
             <a:r>
               <a:rPr lang="zh-CN" altLang="en-US" b="1" dirty="0"/>
-              <a:t>人工势场法的问题</a:t>
+              <a:t>位置信息</a:t>
+            </a:r>
+            <a:r>
+              <a:rPr lang="zh-CN" altLang="en-US" dirty="0"/>
+              <a:t> ：避障需要小车找到自身所处的位置和方向，因此需要生成车辆的矢量路径。使用陀螺仪记录小车当前方位与初始方位的夹角，</a:t>
+            </a:r>
+            <a:r>
+              <a:rPr lang="zh-CN" altLang="en-US"/>
+              <a:t>使用里程计模块</a:t>
+            </a:r>
+            <a:r>
+              <a:rPr lang="zh-CN" altLang="en-US" dirty="0"/>
+              <a:t>记录距离。</a:t>
+            </a:r>
+            <a:endParaRPr lang="en-US" altLang="zh-CN" dirty="0"/>
+          </a:p>
+          <a:p>
+            <a:endParaRPr lang="en-US" altLang="zh-CN" dirty="0"/>
+          </a:p>
+          <a:p>
+            <a:r>
+              <a:rPr lang="zh-CN" altLang="en-US" b="1" dirty="0"/>
+              <a:t>障碍物信息：</a:t>
+            </a:r>
+            <a:r>
+              <a:rPr lang="zh-CN" altLang="en-US" dirty="0"/>
+              <a:t>使用超声波雷达获得与障碍物的距离</a:t>
+            </a:r>
+            <a:r>
+              <a:rPr lang="zh-CN" altLang="en-US"/>
+              <a:t>信息。我们采用人工</a:t>
+            </a:r>
+            <a:r>
+              <a:rPr lang="zh-CN" altLang="en-US" dirty="0"/>
+              <a:t>势场法，因此只需要识别前方已有的障碍物并给出当前距离即可收集障碍物信息。</a:t>
             </a:r>
             <a:endParaRPr lang="en-US" altLang="zh-CN" b="1" dirty="0"/>
-          </a:p>
-          <a:p>
-            <a:r>
-              <a:rPr lang="zh-CN" altLang="en-US" dirty="0"/>
-              <a:t>当目标点附近有障碍物时，斥力远远大于引力，车辆将很难到达目的地。</a:t>
-            </a:r>
-            <a:endParaRPr lang="en-US" altLang="zh-CN" dirty="0"/>
-          </a:p>
-          <a:p>
-            <a:r>
-              <a:rPr lang="zh-CN" altLang="en-US" dirty="0"/>
-              <a:t>当智能车在某一点引力和斥力刚好大小相等时，车辆会陷入局部最优点。</a:t>
-            </a:r>
-            <a:endParaRPr lang="en-US" altLang="zh-CN" dirty="0"/>
-          </a:p>
-          <a:p>
-            <a:r>
-              <a:rPr lang="zh-CN" altLang="en-US" dirty="0"/>
-              <a:t>当车辆到达障碍物附近时，人工势场模型产生的轨迹将出现抖动，不光滑。</a:t>
-            </a:r>
-            <a:endParaRPr lang="en-US" altLang="zh-CN" dirty="0"/>
-          </a:p>
-          <a:p>
-            <a:r>
-              <a:rPr lang="zh-CN" altLang="en-US" dirty="0"/>
-              <a:t>当引力过大时，即无人车位于起始位置时，无人车可能会忽略障碍物斥力的作用造成碰撞。</a:t>
-            </a:r>
-            <a:endParaRPr lang="en-US" altLang="zh-CN" dirty="0"/>
-          </a:p>
-          <a:p>
-            <a:r>
-              <a:rPr lang="zh-CN" altLang="en-US" dirty="0"/>
-              <a:t>传统人工势场只考虑了障碍物与目标点静止不动的静态环境，而车辆实际是在运动的环境中，因此 在动态环境下无法取得良好的效果。</a:t>
-            </a:r>
-            <a:endParaRPr lang="en-US" altLang="zh-CN" dirty="0"/>
           </a:p>
         </p:txBody>
       </p:sp>
@@ -10660,8 +10793,12 @@
           <a:lstStyle/>
           <a:p>
             <a:r>
-              <a:rPr lang="zh-CN" altLang="en-US" dirty="0"/>
-              <a:t>局部避障算法</a:t>
+              <a:rPr lang="zh-CN" altLang="en-US" dirty="0">
+                <a:solidFill>
+                  <a:schemeClr val="tx1"/>
+                </a:solidFill>
+              </a:rPr>
+              <a:t>避障信息获取</a:t>
             </a:r>
           </a:p>
         </p:txBody>
@@ -10669,7 +10806,7 @@
     </p:spTree>
     <p:extLst>
       <p:ext uri="{BB962C8B-B14F-4D97-AF65-F5344CB8AC3E}">
-        <p14:creationId xmlns:p14="http://schemas.microsoft.com/office/powerpoint/2010/main" val="1899482083"/>
+        <p14:creationId xmlns:p14="http://schemas.microsoft.com/office/powerpoint/2010/main" val="409205323"/>
       </p:ext>
     </p:extLst>
   </p:cSld>
@@ -10719,7 +10856,7 @@
           <a:p>
             <a:r>
               <a:rPr lang="zh-CN" altLang="en-US" dirty="0"/>
-              <a:t>文献综述</a:t>
+              <a:t>原型设计</a:t>
             </a:r>
             <a:r>
               <a:rPr lang="en-US" altLang="zh-CN" dirty="0"/>
@@ -10779,13 +10916,13 @@
         </p:nvSpPr>
         <p:spPr>
           <a:xfrm>
-            <a:off x="1777058" y="1902336"/>
-            <a:ext cx="8421452" cy="3975223"/>
+            <a:off x="1777058" y="1902337"/>
+            <a:ext cx="8421452" cy="2920386"/>
           </a:xfrm>
         </p:spPr>
         <p:txBody>
           <a:bodyPr>
-            <a:normAutofit lnSpcReduction="10000"/>
+            <a:normAutofit/>
           </a:bodyPr>
           <a:lstStyle/>
           <a:p>
@@ -10794,37 +10931,34 @@
             </a:pPr>
             <a:r>
               <a:rPr lang="zh-CN" altLang="en-US" b="1" dirty="0"/>
-              <a:t>模糊逻辑算法</a:t>
+              <a:t>数学模型改进</a:t>
             </a:r>
             <a:endParaRPr lang="en-US" altLang="zh-CN" b="1" dirty="0"/>
           </a:p>
           <a:p>
             <a:r>
               <a:rPr lang="zh-CN" altLang="en-US" dirty="0"/>
-              <a:t>一种常用的在线路径规划算法。</a:t>
+              <a:t>人工势场法在使用过程中会出现一些问题，如因障碍物和终点距离太近导致</a:t>
+            </a:r>
+            <a:r>
+              <a:rPr lang="zh-CN" altLang="en-US"/>
+              <a:t>已经到达</a:t>
+            </a:r>
+            <a:r>
+              <a:rPr lang="zh-CN" altLang="en-US" dirty="0"/>
+              <a:t>势能零点、出现局部最优点等。</a:t>
             </a:r>
             <a:endParaRPr lang="en-US" altLang="zh-CN" dirty="0"/>
           </a:p>
           <a:p>
-            <a:r>
-              <a:rPr lang="zh-CN" altLang="en-US" dirty="0"/>
-              <a:t>先建立模型，再进行局部路径规划。 该算法根据观摩和记录驾驶员的操作过程得到，无需针对特定对象建立相关数学模型，而是直接将驾驶员的驾驶经验转换成相关控制信号。</a:t>
-            </a:r>
-            <a:endParaRPr lang="en-US" altLang="zh-CN" dirty="0"/>
-          </a:p>
-          <a:p>
-            <a:r>
-              <a:rPr lang="zh-CN" altLang="en-US" dirty="0"/>
-              <a:t>进行避障路径规划的过程中，将获得的环境信息模糊化，通过不断查找相关的模糊规则获得规划结果。</a:t>
-            </a:r>
-            <a:endParaRPr lang="en-US" altLang="zh-CN" dirty="0"/>
-          </a:p>
-          <a:p>
-            <a:r>
-              <a:rPr lang="zh-CN" altLang="en-US" dirty="0"/>
-              <a:t>模糊算法不需要车辆精确定位，所以具有很高的鲁棒性，对各种未知情况适应性较好，路径规划效果良好，但是模糊算法不能自我学习，模糊规则指定后就一成不变，灵活性较差。</a:t>
-            </a:r>
-            <a:endParaRPr lang="en-US" altLang="zh-CN" dirty="0"/>
+            <a:endParaRPr lang="en-US" altLang="zh-CN" b="1" dirty="0"/>
+          </a:p>
+          <a:p>
+            <a:r>
+              <a:rPr lang="zh-CN" altLang="en-US" dirty="0"/>
+              <a:t>根据文献，对人工势场法数学模型进行改进：</a:t>
+            </a:r>
+            <a:endParaRPr lang="en-US" altLang="zh-CN" b="1" dirty="0"/>
           </a:p>
         </p:txBody>
       </p:sp>
@@ -10851,7 +10985,7 @@
           <a:p>
             <a:r>
               <a:rPr lang="zh-CN" altLang="en-US" dirty="0"/>
-              <a:t>局部避障算法</a:t>
+              <a:t>避障算法设计</a:t>
             </a:r>
           </a:p>
         </p:txBody>
@@ -10859,7 +10993,7 @@
     </p:spTree>
     <p:extLst>
       <p:ext uri="{BB962C8B-B14F-4D97-AF65-F5344CB8AC3E}">
-        <p14:creationId xmlns:p14="http://schemas.microsoft.com/office/powerpoint/2010/main" val="474187646"/>
+        <p14:creationId xmlns:p14="http://schemas.microsoft.com/office/powerpoint/2010/main" val="1841659362"/>
       </p:ext>
     </p:extLst>
   </p:cSld>
@@ -10995,362 +11129,6 @@
 </file>
 
 <file path=ppt/slides/slide30.xml><?xml version="1.0" encoding="utf-8"?>
-<p:sld xmlns:a="http://schemas.openxmlformats.org/drawingml/2006/main" xmlns:r="http://schemas.openxmlformats.org/officeDocument/2006/relationships" xmlns:p="http://schemas.openxmlformats.org/presentationml/2006/main">
-  <p:cSld>
-    <p:spTree>
-      <p:nvGrpSpPr>
-        <p:cNvPr id="1" name=""/>
-        <p:cNvGrpSpPr/>
-        <p:nvPr/>
-      </p:nvGrpSpPr>
-      <p:grpSpPr>
-        <a:xfrm>
-          <a:off x="0" y="0"/>
-          <a:ext cx="0" cy="0"/>
-          <a:chOff x="0" y="0"/>
-          <a:chExt cx="0" cy="0"/>
-        </a:xfrm>
-      </p:grpSpPr>
-      <p:sp>
-        <p:nvSpPr>
-          <p:cNvPr id="2" name="标题 1">
-            <a:extLst>
-              <a:ext uri="{FF2B5EF4-FFF2-40B4-BE49-F238E27FC236}">
-                <a16:creationId xmlns:a16="http://schemas.microsoft.com/office/drawing/2014/main" id="{6BEADDC3-B002-A220-24D6-C1A95402C2CC}"/>
-              </a:ext>
-            </a:extLst>
-          </p:cNvPr>
-          <p:cNvSpPr>
-            <a:spLocks noGrp="1"/>
-          </p:cNvSpPr>
-          <p:nvPr>
-            <p:ph type="title"/>
-          </p:nvPr>
-        </p:nvSpPr>
-        <p:spPr/>
-        <p:txBody>
-          <a:bodyPr/>
-          <a:lstStyle/>
-          <a:p>
-            <a:r>
-              <a:rPr lang="zh-CN" altLang="en-US" dirty="0"/>
-              <a:t>原型设计</a:t>
-            </a:r>
-            <a:r>
-              <a:rPr lang="en-US" altLang="zh-CN" dirty="0"/>
-              <a:t>——</a:t>
-            </a:r>
-            <a:r>
-              <a:rPr lang="zh-CN" altLang="en-US" dirty="0"/>
-              <a:t>避障</a:t>
-            </a:r>
-          </a:p>
-        </p:txBody>
-      </p:sp>
-      <p:sp>
-        <p:nvSpPr>
-          <p:cNvPr id="3" name="文本占位符 2">
-            <a:extLst>
-              <a:ext uri="{FF2B5EF4-FFF2-40B4-BE49-F238E27FC236}">
-                <a16:creationId xmlns:a16="http://schemas.microsoft.com/office/drawing/2014/main" id="{1A4952E6-1AA6-40E7-FDBE-74C587CDAE24}"/>
-              </a:ext>
-            </a:extLst>
-          </p:cNvPr>
-          <p:cNvSpPr>
-            <a:spLocks noGrp="1"/>
-          </p:cNvSpPr>
-          <p:nvPr>
-            <p:ph type="body" sz="half" idx="25"/>
-          </p:nvPr>
-        </p:nvSpPr>
-        <p:spPr/>
-        <p:txBody>
-          <a:bodyPr/>
-          <a:lstStyle/>
-          <a:p>
-            <a:r>
-              <a:rPr lang="en-US" altLang="zh-CN" dirty="0"/>
-              <a:t>03</a:t>
-            </a:r>
-            <a:endParaRPr lang="zh-CN" altLang="en-US" dirty="0"/>
-          </a:p>
-        </p:txBody>
-      </p:sp>
-      <p:sp>
-        <p:nvSpPr>
-          <p:cNvPr id="4" name="文本占位符 3">
-            <a:extLst>
-              <a:ext uri="{FF2B5EF4-FFF2-40B4-BE49-F238E27FC236}">
-                <a16:creationId xmlns:a16="http://schemas.microsoft.com/office/drawing/2014/main" id="{221EA1F1-8C02-DC62-E35F-43F18992D1D9}"/>
-              </a:ext>
-            </a:extLst>
-          </p:cNvPr>
-          <p:cNvSpPr>
-            <a:spLocks noGrp="1"/>
-          </p:cNvSpPr>
-          <p:nvPr>
-            <p:ph type="body" sz="half" idx="2"/>
-          </p:nvPr>
-        </p:nvSpPr>
-        <p:spPr>
-          <a:xfrm>
-            <a:off x="1777058" y="1902336"/>
-            <a:ext cx="8421452" cy="3414457"/>
-          </a:xfrm>
-        </p:spPr>
-        <p:txBody>
-          <a:bodyPr>
-            <a:normAutofit/>
-          </a:bodyPr>
-          <a:lstStyle/>
-          <a:p>
-            <a:r>
-              <a:rPr lang="zh-CN" altLang="en-US" b="1" dirty="0"/>
-              <a:t>位置信息</a:t>
-            </a:r>
-            <a:r>
-              <a:rPr lang="zh-CN" altLang="en-US" dirty="0"/>
-              <a:t> ：避障需要小车找到自身所处的位置和方向，因此需要生成车辆的矢量路径。使用陀螺仪记录小车当前方位与初始方位的夹角，使用里程器模块记录距离。</a:t>
-            </a:r>
-            <a:endParaRPr lang="en-US" altLang="zh-CN" dirty="0"/>
-          </a:p>
-          <a:p>
-            <a:endParaRPr lang="en-US" altLang="zh-CN" dirty="0"/>
-          </a:p>
-          <a:p>
-            <a:r>
-              <a:rPr lang="zh-CN" altLang="en-US" b="1" dirty="0"/>
-              <a:t>障碍物信息：</a:t>
-            </a:r>
-            <a:r>
-              <a:rPr lang="zh-CN" altLang="en-US" dirty="0"/>
-              <a:t>使用超声波雷达获得与障碍物的距离信息。人工势场法，因此只需要识别前方已有的障碍物并给出当前距离即可收集障碍物信息。</a:t>
-            </a:r>
-            <a:endParaRPr lang="en-US" altLang="zh-CN" b="1" dirty="0"/>
-          </a:p>
-        </p:txBody>
-      </p:sp>
-      <p:sp>
-        <p:nvSpPr>
-          <p:cNvPr id="6" name="文本占位符 5">
-            <a:extLst>
-              <a:ext uri="{FF2B5EF4-FFF2-40B4-BE49-F238E27FC236}">
-                <a16:creationId xmlns:a16="http://schemas.microsoft.com/office/drawing/2014/main" id="{8369D94C-E1B9-C600-1B05-5DFE21BE8262}"/>
-              </a:ext>
-            </a:extLst>
-          </p:cNvPr>
-          <p:cNvSpPr>
-            <a:spLocks noGrp="1"/>
-          </p:cNvSpPr>
-          <p:nvPr>
-            <p:ph type="body" sz="half" idx="24"/>
-          </p:nvPr>
-        </p:nvSpPr>
-        <p:spPr/>
-        <p:txBody>
-          <a:bodyPr/>
-          <a:lstStyle/>
-          <a:p>
-            <a:r>
-              <a:rPr lang="zh-CN" altLang="en-US" dirty="0"/>
-              <a:t>避障信息获取</a:t>
-            </a:r>
-          </a:p>
-        </p:txBody>
-      </p:sp>
-    </p:spTree>
-    <p:extLst>
-      <p:ext uri="{BB962C8B-B14F-4D97-AF65-F5344CB8AC3E}">
-        <p14:creationId xmlns:p14="http://schemas.microsoft.com/office/powerpoint/2010/main" val="409205323"/>
-      </p:ext>
-    </p:extLst>
-  </p:cSld>
-  <p:clrMapOvr>
-    <a:masterClrMapping/>
-  </p:clrMapOvr>
-</p:sld>
-</file>
-
-<file path=ppt/slides/slide31.xml><?xml version="1.0" encoding="utf-8"?>
-<p:sld xmlns:a="http://schemas.openxmlformats.org/drawingml/2006/main" xmlns:r="http://schemas.openxmlformats.org/officeDocument/2006/relationships" xmlns:p="http://schemas.openxmlformats.org/presentationml/2006/main">
-  <p:cSld>
-    <p:spTree>
-      <p:nvGrpSpPr>
-        <p:cNvPr id="1" name=""/>
-        <p:cNvGrpSpPr/>
-        <p:nvPr/>
-      </p:nvGrpSpPr>
-      <p:grpSpPr>
-        <a:xfrm>
-          <a:off x="0" y="0"/>
-          <a:ext cx="0" cy="0"/>
-          <a:chOff x="0" y="0"/>
-          <a:chExt cx="0" cy="0"/>
-        </a:xfrm>
-      </p:grpSpPr>
-      <p:sp>
-        <p:nvSpPr>
-          <p:cNvPr id="2" name="标题 1">
-            <a:extLst>
-              <a:ext uri="{FF2B5EF4-FFF2-40B4-BE49-F238E27FC236}">
-                <a16:creationId xmlns:a16="http://schemas.microsoft.com/office/drawing/2014/main" id="{6BEADDC3-B002-A220-24D6-C1A95402C2CC}"/>
-              </a:ext>
-            </a:extLst>
-          </p:cNvPr>
-          <p:cNvSpPr>
-            <a:spLocks noGrp="1"/>
-          </p:cNvSpPr>
-          <p:nvPr>
-            <p:ph type="title"/>
-          </p:nvPr>
-        </p:nvSpPr>
-        <p:spPr/>
-        <p:txBody>
-          <a:bodyPr/>
-          <a:lstStyle/>
-          <a:p>
-            <a:r>
-              <a:rPr lang="zh-CN" altLang="en-US" dirty="0"/>
-              <a:t>原型设计</a:t>
-            </a:r>
-            <a:r>
-              <a:rPr lang="en-US" altLang="zh-CN" dirty="0"/>
-              <a:t>——</a:t>
-            </a:r>
-            <a:r>
-              <a:rPr lang="zh-CN" altLang="en-US" dirty="0"/>
-              <a:t>避障</a:t>
-            </a:r>
-          </a:p>
-        </p:txBody>
-      </p:sp>
-      <p:sp>
-        <p:nvSpPr>
-          <p:cNvPr id="3" name="文本占位符 2">
-            <a:extLst>
-              <a:ext uri="{FF2B5EF4-FFF2-40B4-BE49-F238E27FC236}">
-                <a16:creationId xmlns:a16="http://schemas.microsoft.com/office/drawing/2014/main" id="{1A4952E6-1AA6-40E7-FDBE-74C587CDAE24}"/>
-              </a:ext>
-            </a:extLst>
-          </p:cNvPr>
-          <p:cNvSpPr>
-            <a:spLocks noGrp="1"/>
-          </p:cNvSpPr>
-          <p:nvPr>
-            <p:ph type="body" sz="half" idx="25"/>
-          </p:nvPr>
-        </p:nvSpPr>
-        <p:spPr/>
-        <p:txBody>
-          <a:bodyPr/>
-          <a:lstStyle/>
-          <a:p>
-            <a:r>
-              <a:rPr lang="en-US" altLang="zh-CN" dirty="0"/>
-              <a:t>03</a:t>
-            </a:r>
-            <a:endParaRPr lang="zh-CN" altLang="en-US" dirty="0"/>
-          </a:p>
-        </p:txBody>
-      </p:sp>
-      <p:sp>
-        <p:nvSpPr>
-          <p:cNvPr id="4" name="文本占位符 3">
-            <a:extLst>
-              <a:ext uri="{FF2B5EF4-FFF2-40B4-BE49-F238E27FC236}">
-                <a16:creationId xmlns:a16="http://schemas.microsoft.com/office/drawing/2014/main" id="{221EA1F1-8C02-DC62-E35F-43F18992D1D9}"/>
-              </a:ext>
-            </a:extLst>
-          </p:cNvPr>
-          <p:cNvSpPr>
-            <a:spLocks noGrp="1"/>
-          </p:cNvSpPr>
-          <p:nvPr>
-            <p:ph type="body" sz="half" idx="2"/>
-          </p:nvPr>
-        </p:nvSpPr>
-        <p:spPr>
-          <a:xfrm>
-            <a:off x="1777058" y="1902337"/>
-            <a:ext cx="8421452" cy="2920386"/>
-          </a:xfrm>
-        </p:spPr>
-        <p:txBody>
-          <a:bodyPr>
-            <a:normAutofit/>
-          </a:bodyPr>
-          <a:lstStyle/>
-          <a:p>
-            <a:pPr marL="0" indent="0">
-              <a:buNone/>
-            </a:pPr>
-            <a:r>
-              <a:rPr lang="zh-CN" altLang="en-US" b="1" dirty="0"/>
-              <a:t>数学模型改进</a:t>
-            </a:r>
-            <a:endParaRPr lang="en-US" altLang="zh-CN" b="1" dirty="0"/>
-          </a:p>
-          <a:p>
-            <a:r>
-              <a:rPr lang="zh-CN" altLang="en-US" dirty="0"/>
-              <a:t>人工势场法在使用过程中会出现一些问题，如因障碍物和终点距离太近导致已经到 达势能零点、出现局部最优点等。</a:t>
-            </a:r>
-            <a:endParaRPr lang="en-US" altLang="zh-CN" dirty="0"/>
-          </a:p>
-          <a:p>
-            <a:endParaRPr lang="en-US" altLang="zh-CN" b="1" dirty="0"/>
-          </a:p>
-          <a:p>
-            <a:r>
-              <a:rPr lang="zh-CN" altLang="en-US" dirty="0"/>
-              <a:t>根据文献，对人工势场法数学模型进行改进：</a:t>
-            </a:r>
-            <a:endParaRPr lang="en-US" altLang="zh-CN" b="1" dirty="0"/>
-          </a:p>
-        </p:txBody>
-      </p:sp>
-      <p:sp>
-        <p:nvSpPr>
-          <p:cNvPr id="6" name="文本占位符 5">
-            <a:extLst>
-              <a:ext uri="{FF2B5EF4-FFF2-40B4-BE49-F238E27FC236}">
-                <a16:creationId xmlns:a16="http://schemas.microsoft.com/office/drawing/2014/main" id="{8369D94C-E1B9-C600-1B05-5DFE21BE8262}"/>
-              </a:ext>
-            </a:extLst>
-          </p:cNvPr>
-          <p:cNvSpPr>
-            <a:spLocks noGrp="1"/>
-          </p:cNvSpPr>
-          <p:nvPr>
-            <p:ph type="body" sz="half" idx="24"/>
-          </p:nvPr>
-        </p:nvSpPr>
-        <p:spPr/>
-        <p:txBody>
-          <a:bodyPr/>
-          <a:lstStyle/>
-          <a:p>
-            <a:r>
-              <a:rPr lang="zh-CN" altLang="en-US" dirty="0"/>
-              <a:t>避障算法设计</a:t>
-            </a:r>
-          </a:p>
-        </p:txBody>
-      </p:sp>
-    </p:spTree>
-    <p:extLst>
-      <p:ext uri="{BB962C8B-B14F-4D97-AF65-F5344CB8AC3E}">
-        <p14:creationId xmlns:p14="http://schemas.microsoft.com/office/powerpoint/2010/main" val="1841659362"/>
-      </p:ext>
-    </p:extLst>
-  </p:cSld>
-  <p:clrMapOvr>
-    <a:masterClrMapping/>
-  </p:clrMapOvr>
-</p:sld>
-</file>
-
-<file path=ppt/slides/slide32.xml><?xml version="1.0" encoding="utf-8"?>
 <p:sld xmlns:a="http://schemas.openxmlformats.org/drawingml/2006/main" xmlns:r="http://schemas.openxmlformats.org/officeDocument/2006/relationships" xmlns:p="http://schemas.openxmlformats.org/presentationml/2006/main">
   <p:cSld>
     <p:spTree>
@@ -11592,6 +11370,404 @@
 </p:sld>
 </file>
 
+<file path=ppt/slides/slide31.xml><?xml version="1.0" encoding="utf-8"?>
+<p:sld xmlns:a="http://schemas.openxmlformats.org/drawingml/2006/main" xmlns:r="http://schemas.openxmlformats.org/officeDocument/2006/relationships" xmlns:p="http://schemas.openxmlformats.org/presentationml/2006/main">
+  <p:cSld>
+    <p:spTree>
+      <p:nvGrpSpPr>
+        <p:cNvPr id="1" name=""/>
+        <p:cNvGrpSpPr/>
+        <p:nvPr/>
+      </p:nvGrpSpPr>
+      <p:grpSpPr>
+        <a:xfrm>
+          <a:off x="0" y="0"/>
+          <a:ext cx="0" cy="0"/>
+          <a:chOff x="0" y="0"/>
+          <a:chExt cx="0" cy="0"/>
+        </a:xfrm>
+      </p:grpSpPr>
+      <p:sp>
+        <p:nvSpPr>
+          <p:cNvPr id="2" name="标题 1">
+            <a:extLst>
+              <a:ext uri="{FF2B5EF4-FFF2-40B4-BE49-F238E27FC236}">
+                <a16:creationId xmlns:a16="http://schemas.microsoft.com/office/drawing/2014/main" id="{6BEADDC3-B002-A220-24D6-C1A95402C2CC}"/>
+              </a:ext>
+            </a:extLst>
+          </p:cNvPr>
+          <p:cNvSpPr>
+            <a:spLocks noGrp="1"/>
+          </p:cNvSpPr>
+          <p:nvPr>
+            <p:ph type="title"/>
+          </p:nvPr>
+        </p:nvSpPr>
+        <p:spPr/>
+        <p:txBody>
+          <a:bodyPr/>
+          <a:lstStyle/>
+          <a:p>
+            <a:r>
+              <a:rPr lang="zh-CN" altLang="en-US" dirty="0"/>
+              <a:t>原型设计</a:t>
+            </a:r>
+            <a:r>
+              <a:rPr lang="en-US" altLang="zh-CN" dirty="0"/>
+              <a:t>——</a:t>
+            </a:r>
+            <a:r>
+              <a:rPr lang="zh-CN" altLang="en-US" dirty="0"/>
+              <a:t>避障</a:t>
+            </a:r>
+          </a:p>
+        </p:txBody>
+      </p:sp>
+      <p:sp>
+        <p:nvSpPr>
+          <p:cNvPr id="3" name="文本占位符 2">
+            <a:extLst>
+              <a:ext uri="{FF2B5EF4-FFF2-40B4-BE49-F238E27FC236}">
+                <a16:creationId xmlns:a16="http://schemas.microsoft.com/office/drawing/2014/main" id="{1A4952E6-1AA6-40E7-FDBE-74C587CDAE24}"/>
+              </a:ext>
+            </a:extLst>
+          </p:cNvPr>
+          <p:cNvSpPr>
+            <a:spLocks noGrp="1"/>
+          </p:cNvSpPr>
+          <p:nvPr>
+            <p:ph type="body" sz="half" idx="25"/>
+          </p:nvPr>
+        </p:nvSpPr>
+        <p:spPr/>
+        <p:txBody>
+          <a:bodyPr/>
+          <a:lstStyle/>
+          <a:p>
+            <a:r>
+              <a:rPr lang="en-US" altLang="zh-CN" dirty="0"/>
+              <a:t>03</a:t>
+            </a:r>
+            <a:endParaRPr lang="zh-CN" altLang="en-US" dirty="0"/>
+          </a:p>
+        </p:txBody>
+      </p:sp>
+      <p:sp>
+        <p:nvSpPr>
+          <p:cNvPr id="4" name="文本占位符 3">
+            <a:extLst>
+              <a:ext uri="{FF2B5EF4-FFF2-40B4-BE49-F238E27FC236}">
+                <a16:creationId xmlns:a16="http://schemas.microsoft.com/office/drawing/2014/main" id="{221EA1F1-8C02-DC62-E35F-43F18992D1D9}"/>
+              </a:ext>
+            </a:extLst>
+          </p:cNvPr>
+          <p:cNvSpPr>
+            <a:spLocks noGrp="1"/>
+          </p:cNvSpPr>
+          <p:nvPr>
+            <p:ph type="body" sz="half" idx="2"/>
+          </p:nvPr>
+        </p:nvSpPr>
+        <p:spPr>
+          <a:xfrm>
+            <a:off x="1762310" y="1978661"/>
+            <a:ext cx="6534746" cy="3611880"/>
+          </a:xfrm>
+        </p:spPr>
+        <p:txBody>
+          <a:bodyPr>
+            <a:normAutofit/>
+          </a:bodyPr>
+          <a:lstStyle/>
+          <a:p>
+            <a:pPr marL="0" indent="0">
+              <a:buNone/>
+            </a:pPr>
+            <a:r>
+              <a:rPr lang="zh-CN" altLang="en-US" b="1" dirty="0"/>
+              <a:t>思路改进</a:t>
+            </a:r>
+            <a:endParaRPr lang="en-US" altLang="zh-CN" b="1" dirty="0"/>
+          </a:p>
+          <a:p>
+            <a:r>
+              <a:rPr lang="zh-CN" altLang="en-US" dirty="0"/>
+              <a:t>一级引力场：将终点所在直线设定为一级引力场，促使小车不断向最远端行进，以此避免小车可能出现的折返问题。</a:t>
+            </a:r>
+            <a:endParaRPr lang="en-US" altLang="zh-CN" b="1" dirty="0"/>
+          </a:p>
+          <a:p>
+            <a:r>
+              <a:rPr lang="zh-CN" altLang="en-US" dirty="0"/>
+              <a:t>当到达一级引力场时，旋转小车角度与引力场直线方向一致，并向前行进，如果摄像头</a:t>
+            </a:r>
+            <a:r>
+              <a:rPr lang="zh-CN" altLang="en-US"/>
+              <a:t>在地面</a:t>
+            </a:r>
+            <a:r>
+              <a:rPr lang="zh-CN" altLang="en-US" dirty="0"/>
+              <a:t>上识别到终点圆圈，进行放置的步骤。</a:t>
+            </a:r>
+            <a:endParaRPr lang="en-US" altLang="zh-CN" dirty="0"/>
+          </a:p>
+          <a:p>
+            <a:r>
+              <a:rPr lang="zh-CN" altLang="en-US" dirty="0"/>
+              <a:t>如果摄像头到达墙后仍没有终点圆圈，旋转</a:t>
+            </a:r>
+            <a:r>
+              <a:rPr lang="en-US" altLang="zh-CN" dirty="0"/>
+              <a:t>180</a:t>
+            </a:r>
+            <a:r>
+              <a:rPr lang="zh-CN" altLang="en-US" dirty="0"/>
+              <a:t>度，回到</a:t>
+            </a:r>
+            <a:r>
+              <a:rPr lang="zh-CN" altLang="en-US"/>
+              <a:t>一级引力场</a:t>
+            </a:r>
+            <a:r>
+              <a:rPr lang="zh-CN" altLang="en-US" dirty="0"/>
+              <a:t>，重新向前遍历。 </a:t>
+            </a:r>
+            <a:endParaRPr lang="en-US" altLang="zh-CN" b="1" dirty="0"/>
+          </a:p>
+          <a:p>
+            <a:endParaRPr lang="en-US" altLang="zh-CN" dirty="0"/>
+          </a:p>
+        </p:txBody>
+      </p:sp>
+      <p:sp>
+        <p:nvSpPr>
+          <p:cNvPr id="6" name="文本占位符 5">
+            <a:extLst>
+              <a:ext uri="{FF2B5EF4-FFF2-40B4-BE49-F238E27FC236}">
+                <a16:creationId xmlns:a16="http://schemas.microsoft.com/office/drawing/2014/main" id="{8369D94C-E1B9-C600-1B05-5DFE21BE8262}"/>
+              </a:ext>
+            </a:extLst>
+          </p:cNvPr>
+          <p:cNvSpPr>
+            <a:spLocks noGrp="1"/>
+          </p:cNvSpPr>
+          <p:nvPr>
+            <p:ph type="body" sz="half" idx="24"/>
+          </p:nvPr>
+        </p:nvSpPr>
+        <p:spPr/>
+        <p:txBody>
+          <a:bodyPr/>
+          <a:lstStyle/>
+          <a:p>
+            <a:r>
+              <a:rPr lang="zh-CN" altLang="en-US" dirty="0"/>
+              <a:t>避障算法设计</a:t>
+            </a:r>
+          </a:p>
+        </p:txBody>
+      </p:sp>
+      <p:pic>
+        <p:nvPicPr>
+          <p:cNvPr id="7" name="图片 6">
+            <a:extLst>
+              <a:ext uri="{FF2B5EF4-FFF2-40B4-BE49-F238E27FC236}">
+                <a16:creationId xmlns:a16="http://schemas.microsoft.com/office/drawing/2014/main" id="{6C61D5EA-09A6-2B24-89AF-E53979341710}"/>
+              </a:ext>
+            </a:extLst>
+          </p:cNvPr>
+          <p:cNvPicPr>
+            <a:picLocks noChangeAspect="1"/>
+          </p:cNvPicPr>
+          <p:nvPr/>
+        </p:nvPicPr>
+        <p:blipFill>
+          <a:blip r:embed="rId3"/>
+          <a:stretch>
+            <a:fillRect/>
+          </a:stretch>
+        </p:blipFill>
+        <p:spPr>
+          <a:xfrm>
+            <a:off x="8549217" y="2557267"/>
+            <a:ext cx="3254099" cy="2454667"/>
+          </a:xfrm>
+          <a:prstGeom prst="rect">
+            <a:avLst/>
+          </a:prstGeom>
+        </p:spPr>
+      </p:pic>
+      <p:cxnSp>
+        <p:nvCxnSpPr>
+          <p:cNvPr id="9" name="直接连接符 8">
+            <a:extLst>
+              <a:ext uri="{FF2B5EF4-FFF2-40B4-BE49-F238E27FC236}">
+                <a16:creationId xmlns:a16="http://schemas.microsoft.com/office/drawing/2014/main" id="{AB193873-E6B9-AEA7-6F88-810D2B4C61A3}"/>
+              </a:ext>
+            </a:extLst>
+          </p:cNvPr>
+          <p:cNvCxnSpPr>
+            <a:cxnSpLocks/>
+          </p:cNvCxnSpPr>
+          <p:nvPr/>
+        </p:nvCxnSpPr>
+        <p:spPr>
+          <a:xfrm flipV="1">
+            <a:off x="11587397" y="1783830"/>
+            <a:ext cx="0" cy="3530183"/>
+          </a:xfrm>
+          <a:prstGeom prst="line">
+            <a:avLst/>
+          </a:prstGeom>
+          <a:ln w="12700">
+            <a:solidFill>
+              <a:srgbClr val="FF3300"/>
+            </a:solidFill>
+          </a:ln>
+        </p:spPr>
+        <p:style>
+          <a:lnRef idx="1">
+            <a:schemeClr val="accent1"/>
+          </a:lnRef>
+          <a:fillRef idx="0">
+            <a:schemeClr val="accent1"/>
+          </a:fillRef>
+          <a:effectRef idx="0">
+            <a:schemeClr val="accent1"/>
+          </a:effectRef>
+          <a:fontRef idx="minor">
+            <a:schemeClr val="tx1"/>
+          </a:fontRef>
+        </p:style>
+      </p:cxnSp>
+    </p:spTree>
+    <p:extLst>
+      <p:ext uri="{BB962C8B-B14F-4D97-AF65-F5344CB8AC3E}">
+        <p14:creationId xmlns:p14="http://schemas.microsoft.com/office/powerpoint/2010/main" val="1725410372"/>
+      </p:ext>
+    </p:extLst>
+  </p:cSld>
+  <p:clrMapOvr>
+    <a:masterClrMapping/>
+  </p:clrMapOvr>
+</p:sld>
+</file>
+
+<file path=ppt/slides/slide32.xml><?xml version="1.0" encoding="utf-8"?>
+<p:sld xmlns:a="http://schemas.openxmlformats.org/drawingml/2006/main" xmlns:r="http://schemas.openxmlformats.org/officeDocument/2006/relationships" xmlns:p="http://schemas.openxmlformats.org/presentationml/2006/main">
+  <p:cSld>
+    <p:spTree>
+      <p:nvGrpSpPr>
+        <p:cNvPr id="1" name=""/>
+        <p:cNvGrpSpPr/>
+        <p:nvPr/>
+      </p:nvGrpSpPr>
+      <p:grpSpPr>
+        <a:xfrm>
+          <a:off x="0" y="0"/>
+          <a:ext cx="0" cy="0"/>
+          <a:chOff x="0" y="0"/>
+          <a:chExt cx="0" cy="0"/>
+        </a:xfrm>
+      </p:grpSpPr>
+      <p:sp>
+        <p:nvSpPr>
+          <p:cNvPr id="2" name="标题 1"/>
+          <p:cNvSpPr>
+            <a:spLocks noGrp="1"/>
+          </p:cNvSpPr>
+          <p:nvPr>
+            <p:ph type="title"/>
+          </p:nvPr>
+        </p:nvSpPr>
+        <p:spPr>
+          <a:xfrm>
+            <a:off x="8008375" y="4477385"/>
+            <a:ext cx="4240160" cy="796290"/>
+          </a:xfrm>
+        </p:spPr>
+        <p:txBody>
+          <a:bodyPr>
+            <a:normAutofit fontScale="90000"/>
+          </a:bodyPr>
+          <a:lstStyle/>
+          <a:p>
+            <a:r>
+              <a:rPr lang="zh-CN" altLang="en-US" sz="4400" b="1" spc="200" dirty="0">
+                <a:latin typeface="Microsoft YaHei Bold" panose="020B0503020204020204" charset="-122"/>
+                <a:ea typeface="Microsoft YaHei Bold" panose="020B0503020204020204" charset="-122"/>
+              </a:rPr>
+              <a:t>通讯与驱动设计</a:t>
+            </a:r>
+            <a:endParaRPr lang="zh-CN" altLang="zh-CN" sz="4400" b="1" spc="200" dirty="0">
+              <a:solidFill>
+                <a:srgbClr val="FFFFFF"/>
+              </a:solidFill>
+              <a:uFillTx/>
+              <a:latin typeface="Microsoft YaHei Bold" panose="020B0503020204020204" charset="-122"/>
+              <a:ea typeface="Microsoft YaHei Bold" panose="020B0503020204020204" charset="-122"/>
+            </a:endParaRPr>
+          </a:p>
+        </p:txBody>
+      </p:sp>
+      <p:sp>
+        <p:nvSpPr>
+          <p:cNvPr id="3" name="文本占位符 2"/>
+          <p:cNvSpPr>
+            <a:spLocks noGrp="1"/>
+          </p:cNvSpPr>
+          <p:nvPr>
+            <p:ph type="body" idx="1"/>
+          </p:nvPr>
+        </p:nvSpPr>
+        <p:spPr/>
+        <p:txBody>
+          <a:bodyPr/>
+          <a:lstStyle/>
+          <a:p>
+            <a:r>
+              <a:rPr lang="zh-CN" altLang="en-US" dirty="0"/>
+              <a:t>为有源头活水来</a:t>
+            </a:r>
+          </a:p>
+        </p:txBody>
+      </p:sp>
+      <p:sp>
+        <p:nvSpPr>
+          <p:cNvPr id="4" name="文本占位符 3"/>
+          <p:cNvSpPr>
+            <a:spLocks noGrp="1"/>
+          </p:cNvSpPr>
+          <p:nvPr>
+            <p:ph type="body" idx="13"/>
+          </p:nvPr>
+        </p:nvSpPr>
+        <p:spPr/>
+        <p:txBody>
+          <a:bodyPr/>
+          <a:lstStyle/>
+          <a:p>
+            <a:r>
+              <a:rPr lang="en-US" altLang="zh-CN" dirty="0"/>
+              <a:t>04</a:t>
+            </a:r>
+            <a:endParaRPr lang="zh-CN" altLang="en-US" dirty="0"/>
+          </a:p>
+        </p:txBody>
+      </p:sp>
+    </p:spTree>
+    <p:extLst>
+      <p:ext uri="{BB962C8B-B14F-4D97-AF65-F5344CB8AC3E}">
+        <p14:creationId xmlns:p14="http://schemas.microsoft.com/office/powerpoint/2010/main" val="521263921"/>
+      </p:ext>
+    </p:extLst>
+  </p:cSld>
+  <p:clrMapOvr>
+    <a:masterClrMapping/>
+  </p:clrMapOvr>
+</p:sld>
+</file>
+
 <file path=ppt/slides/slide33.xml><?xml version="1.0" encoding="utf-8"?>
 <p:sld xmlns:a="http://schemas.openxmlformats.org/drawingml/2006/main" xmlns:r="http://schemas.openxmlformats.org/officeDocument/2006/relationships" xmlns:p="http://schemas.openxmlformats.org/presentationml/2006/main">
   <p:cSld>
@@ -11611,13 +11787,7 @@
       </p:grpSpPr>
       <p:sp>
         <p:nvSpPr>
-          <p:cNvPr id="2" name="标题 1">
-            <a:extLst>
-              <a:ext uri="{FF2B5EF4-FFF2-40B4-BE49-F238E27FC236}">
-                <a16:creationId xmlns:a16="http://schemas.microsoft.com/office/drawing/2014/main" id="{6BEADDC3-B002-A220-24D6-C1A95402C2CC}"/>
-              </a:ext>
-            </a:extLst>
-          </p:cNvPr>
+          <p:cNvPr id="3" name="标题 2"/>
           <p:cNvSpPr>
             <a:spLocks noGrp="1"/>
           </p:cNvSpPr>
@@ -11632,318 +11802,15 @@
           <a:p>
             <a:r>
               <a:rPr lang="zh-CN" altLang="en-US" dirty="0"/>
-              <a:t>原型设计</a:t>
+              <a:t>通信与驱动设计</a:t>
             </a:r>
             <a:r>
               <a:rPr lang="en-US" altLang="zh-CN" dirty="0"/>
-              <a:t>——</a:t>
-            </a:r>
-            <a:r>
-              <a:rPr lang="zh-CN" altLang="en-US" dirty="0"/>
-              <a:t>避障</a:t>
-            </a:r>
-          </a:p>
-        </p:txBody>
-      </p:sp>
-      <p:sp>
-        <p:nvSpPr>
-          <p:cNvPr id="3" name="文本占位符 2">
-            <a:extLst>
-              <a:ext uri="{FF2B5EF4-FFF2-40B4-BE49-F238E27FC236}">
-                <a16:creationId xmlns:a16="http://schemas.microsoft.com/office/drawing/2014/main" id="{1A4952E6-1AA6-40E7-FDBE-74C587CDAE24}"/>
-              </a:ext>
-            </a:extLst>
-          </p:cNvPr>
-          <p:cNvSpPr>
-            <a:spLocks noGrp="1"/>
-          </p:cNvSpPr>
-          <p:nvPr>
-            <p:ph type="body" sz="half" idx="25"/>
-          </p:nvPr>
-        </p:nvSpPr>
-        <p:spPr/>
-        <p:txBody>
-          <a:bodyPr/>
-          <a:lstStyle/>
-          <a:p>
-            <a:r>
-              <a:rPr lang="en-US" altLang="zh-CN" dirty="0"/>
-              <a:t>03</a:t>
-            </a:r>
-            <a:endParaRPr lang="zh-CN" altLang="en-US" dirty="0"/>
-          </a:p>
-        </p:txBody>
-      </p:sp>
-      <p:sp>
-        <p:nvSpPr>
-          <p:cNvPr id="4" name="文本占位符 3">
-            <a:extLst>
-              <a:ext uri="{FF2B5EF4-FFF2-40B4-BE49-F238E27FC236}">
-                <a16:creationId xmlns:a16="http://schemas.microsoft.com/office/drawing/2014/main" id="{221EA1F1-8C02-DC62-E35F-43F18992D1D9}"/>
-              </a:ext>
-            </a:extLst>
-          </p:cNvPr>
-          <p:cNvSpPr>
-            <a:spLocks noGrp="1"/>
-          </p:cNvSpPr>
-          <p:nvPr>
-            <p:ph type="body" sz="half" idx="2"/>
-          </p:nvPr>
-        </p:nvSpPr>
-        <p:spPr>
-          <a:xfrm>
-            <a:off x="1762310" y="1978661"/>
-            <a:ext cx="8421452" cy="3611880"/>
-          </a:xfrm>
-        </p:spPr>
-        <p:txBody>
-          <a:bodyPr>
-            <a:normAutofit/>
-          </a:bodyPr>
-          <a:lstStyle/>
-          <a:p>
-            <a:pPr marL="0" indent="0">
-              <a:buNone/>
-            </a:pPr>
-            <a:r>
-              <a:rPr lang="zh-CN" altLang="en-US" b="1" dirty="0"/>
-              <a:t>思路改进</a:t>
-            </a:r>
-            <a:endParaRPr lang="en-US" altLang="zh-CN" b="1" dirty="0"/>
-          </a:p>
-          <a:p>
-            <a:r>
-              <a:rPr lang="zh-CN" altLang="en-US" dirty="0"/>
-              <a:t>一级引力场：将终点所在直线设定为一级引力场，促使小车不断向最远端行进，以此避免小车可能出现的折返问题。</a:t>
-            </a:r>
-            <a:endParaRPr lang="en-US" altLang="zh-CN" b="1" dirty="0"/>
-          </a:p>
-          <a:p>
-            <a:r>
-              <a:rPr lang="zh-CN" altLang="en-US" dirty="0"/>
-              <a:t>当到达一级引力场时，旋转小车角度与引力场直线方向一致，并向前行进，如果摄像头在地 面上识别到终点圆圈，进行放置的步骤。</a:t>
-            </a:r>
-            <a:endParaRPr lang="en-US" altLang="zh-CN" dirty="0"/>
-          </a:p>
-          <a:p>
-            <a:r>
-              <a:rPr lang="zh-CN" altLang="en-US" dirty="0"/>
-              <a:t>如果摄像头到达墙后仍没有终点圆圈，旋转</a:t>
-            </a:r>
-            <a:r>
-              <a:rPr lang="en-US" altLang="zh-CN" dirty="0"/>
-              <a:t>180</a:t>
-            </a:r>
-            <a:r>
-              <a:rPr lang="zh-CN" altLang="en-US" dirty="0"/>
-              <a:t>度，回到一级引 力场，重新向前遍历。 </a:t>
-            </a:r>
-            <a:endParaRPr lang="en-US" altLang="zh-CN" b="1" dirty="0"/>
-          </a:p>
-          <a:p>
-            <a:endParaRPr lang="en-US" altLang="zh-CN" dirty="0"/>
-          </a:p>
-        </p:txBody>
-      </p:sp>
-      <p:sp>
-        <p:nvSpPr>
-          <p:cNvPr id="6" name="文本占位符 5">
-            <a:extLst>
-              <a:ext uri="{FF2B5EF4-FFF2-40B4-BE49-F238E27FC236}">
-                <a16:creationId xmlns:a16="http://schemas.microsoft.com/office/drawing/2014/main" id="{8369D94C-E1B9-C600-1B05-5DFE21BE8262}"/>
-              </a:ext>
-            </a:extLst>
-          </p:cNvPr>
-          <p:cNvSpPr>
-            <a:spLocks noGrp="1"/>
-          </p:cNvSpPr>
-          <p:nvPr>
-            <p:ph type="body" sz="half" idx="24"/>
-          </p:nvPr>
-        </p:nvSpPr>
-        <p:spPr/>
-        <p:txBody>
-          <a:bodyPr/>
-          <a:lstStyle/>
-          <a:p>
-            <a:r>
-              <a:rPr lang="zh-CN" altLang="en-US" dirty="0"/>
-              <a:t>避障算法设计</a:t>
-            </a:r>
-          </a:p>
-        </p:txBody>
-      </p:sp>
-    </p:spTree>
-    <p:extLst>
-      <p:ext uri="{BB962C8B-B14F-4D97-AF65-F5344CB8AC3E}">
-        <p14:creationId xmlns:p14="http://schemas.microsoft.com/office/powerpoint/2010/main" val="1725410372"/>
-      </p:ext>
-    </p:extLst>
-  </p:cSld>
-  <p:clrMapOvr>
-    <a:masterClrMapping/>
-  </p:clrMapOvr>
-</p:sld>
-</file>
-
-<file path=ppt/slides/slide34.xml><?xml version="1.0" encoding="utf-8"?>
-<p:sld xmlns:a="http://schemas.openxmlformats.org/drawingml/2006/main" xmlns:r="http://schemas.openxmlformats.org/officeDocument/2006/relationships" xmlns:p="http://schemas.openxmlformats.org/presentationml/2006/main">
-  <p:cSld>
-    <p:spTree>
-      <p:nvGrpSpPr>
-        <p:cNvPr id="1" name=""/>
-        <p:cNvGrpSpPr/>
-        <p:nvPr/>
-      </p:nvGrpSpPr>
-      <p:grpSpPr>
-        <a:xfrm>
-          <a:off x="0" y="0"/>
-          <a:ext cx="0" cy="0"/>
-          <a:chOff x="0" y="0"/>
-          <a:chExt cx="0" cy="0"/>
-        </a:xfrm>
-      </p:grpSpPr>
-      <p:sp>
-        <p:nvSpPr>
-          <p:cNvPr id="2" name="标题 1"/>
-          <p:cNvSpPr>
-            <a:spLocks noGrp="1"/>
-          </p:cNvSpPr>
-          <p:nvPr>
-            <p:ph type="title"/>
-          </p:nvPr>
-        </p:nvSpPr>
-        <p:spPr>
-          <a:xfrm>
-            <a:off x="8008375" y="4477385"/>
-            <a:ext cx="4240160" cy="796290"/>
-          </a:xfrm>
-        </p:spPr>
-        <p:txBody>
-          <a:bodyPr>
-            <a:normAutofit fontScale="90000"/>
-          </a:bodyPr>
-          <a:lstStyle/>
-          <a:p>
-            <a:r>
-              <a:rPr lang="zh-CN" altLang="en-US" sz="4400" b="1" spc="200" dirty="0">
-                <a:latin typeface="Microsoft YaHei Bold" panose="020B0503020204020204" charset="-122"/>
-                <a:ea typeface="Microsoft YaHei Bold" panose="020B0503020204020204" charset="-122"/>
-              </a:rPr>
-              <a:t>通讯与驱动设计</a:t>
-            </a:r>
-            <a:endParaRPr lang="zh-CN" altLang="zh-CN" sz="4400" b="1" spc="200" dirty="0">
-              <a:solidFill>
-                <a:srgbClr val="FFFFFF"/>
-              </a:solidFill>
-              <a:uFillTx/>
-              <a:latin typeface="Microsoft YaHei Bold" panose="020B0503020204020204" charset="-122"/>
-              <a:ea typeface="Microsoft YaHei Bold" panose="020B0503020204020204" charset="-122"/>
-            </a:endParaRPr>
-          </a:p>
-        </p:txBody>
-      </p:sp>
-      <p:sp>
-        <p:nvSpPr>
-          <p:cNvPr id="3" name="文本占位符 2"/>
-          <p:cNvSpPr>
-            <a:spLocks noGrp="1"/>
-          </p:cNvSpPr>
-          <p:nvPr>
-            <p:ph type="body" idx="1"/>
-          </p:nvPr>
-        </p:nvSpPr>
-        <p:spPr/>
-        <p:txBody>
-          <a:bodyPr/>
-          <a:lstStyle/>
-          <a:p>
-            <a:r>
-              <a:rPr lang="zh-CN" altLang="en-US" dirty="0"/>
-              <a:t>为有源头活水来</a:t>
-            </a:r>
-          </a:p>
-        </p:txBody>
-      </p:sp>
-      <p:sp>
-        <p:nvSpPr>
-          <p:cNvPr id="4" name="文本占位符 3"/>
-          <p:cNvSpPr>
-            <a:spLocks noGrp="1"/>
-          </p:cNvSpPr>
-          <p:nvPr>
-            <p:ph type="body" idx="13"/>
-          </p:nvPr>
-        </p:nvSpPr>
-        <p:spPr/>
-        <p:txBody>
-          <a:bodyPr/>
-          <a:lstStyle/>
-          <a:p>
-            <a:r>
-              <a:rPr lang="en-US" altLang="zh-CN" dirty="0"/>
-              <a:t>04</a:t>
-            </a:r>
-            <a:endParaRPr lang="zh-CN" altLang="en-US" dirty="0"/>
-          </a:p>
-        </p:txBody>
-      </p:sp>
-    </p:spTree>
-    <p:extLst>
-      <p:ext uri="{BB962C8B-B14F-4D97-AF65-F5344CB8AC3E}">
-        <p14:creationId xmlns:p14="http://schemas.microsoft.com/office/powerpoint/2010/main" val="521263921"/>
-      </p:ext>
-    </p:extLst>
-  </p:cSld>
-  <p:clrMapOvr>
-    <a:masterClrMapping/>
-  </p:clrMapOvr>
-</p:sld>
-</file>
-
-<file path=ppt/slides/slide35.xml><?xml version="1.0" encoding="utf-8"?>
-<p:sld xmlns:a="http://schemas.openxmlformats.org/drawingml/2006/main" xmlns:r="http://schemas.openxmlformats.org/officeDocument/2006/relationships" xmlns:p="http://schemas.openxmlformats.org/presentationml/2006/main">
-  <p:cSld>
-    <p:spTree>
-      <p:nvGrpSpPr>
-        <p:cNvPr id="1" name=""/>
-        <p:cNvGrpSpPr/>
-        <p:nvPr/>
-      </p:nvGrpSpPr>
-      <p:grpSpPr>
-        <a:xfrm>
-          <a:off x="0" y="0"/>
-          <a:ext cx="0" cy="0"/>
-          <a:chOff x="0" y="0"/>
-          <a:chExt cx="0" cy="0"/>
-        </a:xfrm>
-      </p:grpSpPr>
-      <p:sp>
-        <p:nvSpPr>
-          <p:cNvPr id="3" name="标题 2"/>
-          <p:cNvSpPr>
-            <a:spLocks noGrp="1"/>
-          </p:cNvSpPr>
-          <p:nvPr>
-            <p:ph type="title"/>
-          </p:nvPr>
-        </p:nvSpPr>
-        <p:spPr/>
-        <p:txBody>
-          <a:bodyPr/>
-          <a:lstStyle/>
-          <a:p>
-            <a:r>
-              <a:rPr lang="zh-CN" altLang="en-US" dirty="0"/>
-              <a:t>需求分析</a:t>
-            </a:r>
-            <a:r>
-              <a:rPr lang="en-US" altLang="zh-CN" dirty="0"/>
-              <a:t>——</a:t>
-            </a:r>
-            <a:r>
-              <a:rPr lang="zh-CN" altLang="en-US" dirty="0"/>
-              <a:t>电气</a:t>
+              <a:t>-</a:t>
+            </a:r>
+            <a:r>
+              <a:rPr lang="zh-CN" altLang="en-US" dirty="0"/>
+              <a:t>基本模块</a:t>
             </a:r>
           </a:p>
         </p:txBody>
@@ -12487,7 +12354,7 @@
 </p:sld>
 </file>
 
-<file path=ppt/slides/slide36.xml><?xml version="1.0" encoding="utf-8"?>
+<file path=ppt/slides/slide34.xml><?xml version="1.0" encoding="utf-8"?>
 <p:sld xmlns:a="http://schemas.openxmlformats.org/drawingml/2006/main" xmlns:r="http://schemas.openxmlformats.org/officeDocument/2006/relationships" xmlns:p="http://schemas.openxmlformats.org/presentationml/2006/main">
   <p:cSld>
     <p:spTree>
@@ -12521,15 +12388,15 @@
           <a:p>
             <a:r>
               <a:rPr lang="zh-CN" altLang="en-US" dirty="0"/>
-              <a:t>需求分析</a:t>
+              <a:t>通信与驱动设计</a:t>
             </a:r>
             <a:r>
               <a:rPr lang="en-US" altLang="zh-CN" dirty="0"/>
-              <a:t>——</a:t>
-            </a:r>
-            <a:r>
-              <a:rPr lang="zh-CN" altLang="en-US" dirty="0"/>
-              <a:t>电气</a:t>
+              <a:t>-</a:t>
+            </a:r>
+            <a:r>
+              <a:rPr lang="zh-CN" altLang="en-US" dirty="0"/>
+              <a:t>基本模块</a:t>
             </a:r>
           </a:p>
         </p:txBody>
@@ -12579,7 +12446,15 @@
           <a:p>
             <a:r>
               <a:rPr lang="zh-CN" altLang="en-US" dirty="0"/>
-              <a:t>单片机、电机、舵机等不同元器件的所需电压不同，需要进行相应的电源与二次电源的选择，具体 选择将在原理方案设计部分确定。</a:t>
+              <a:t>单片机、电机、舵机等不同元器件的所需电压不同，需要进行相应的电源与二次电源的选择</a:t>
+            </a:r>
+            <a:r>
+              <a:rPr lang="zh-CN" altLang="en-US"/>
+              <a:t>，具体选择</a:t>
+            </a:r>
+            <a:r>
+              <a:rPr lang="zh-CN" altLang="en-US" dirty="0"/>
+              <a:t>将在原理方案设计部分确定。</a:t>
             </a:r>
           </a:p>
         </p:txBody>
@@ -12813,8 +12688,20 @@
               <a:t>USB</a:t>
             </a:r>
             <a:r>
-              <a:rPr lang="zh-CN" altLang="en-US" dirty="0"/>
-              <a:t>数据线 的有线通讯方式或者蓝牙等无线通讯方式，具体选择需要根据传输数据量、数据传输延时和硬件接口等 因素确定。</a:t>
+              <a:rPr lang="zh-CN" altLang="en-US"/>
+              <a:t>数据线的</a:t>
+            </a:r>
+            <a:r>
+              <a:rPr lang="zh-CN" altLang="en-US" dirty="0"/>
+              <a:t>有线通讯方式或者蓝牙等无线通讯方式，具体选择需要根据传输数据量、数据传输延时和硬件</a:t>
+            </a:r>
+            <a:r>
+              <a:rPr lang="zh-CN" altLang="en-US"/>
+              <a:t>接口等因素</a:t>
+            </a:r>
+            <a:r>
+              <a:rPr lang="zh-CN" altLang="en-US" dirty="0"/>
+              <a:t>确定。</a:t>
             </a:r>
           </a:p>
         </p:txBody>
@@ -13043,7 +12930,7 @@
 </p:sld>
 </file>
 
-<file path=ppt/slides/slide37.xml><?xml version="1.0" encoding="utf-8"?>
+<file path=ppt/slides/slide35.xml><?xml version="1.0" encoding="utf-8"?>
 <p:sld xmlns:a="http://schemas.openxmlformats.org/drawingml/2006/main" xmlns:r="http://schemas.openxmlformats.org/officeDocument/2006/relationships" xmlns:p="http://schemas.openxmlformats.org/presentationml/2006/main">
   <p:cSld>
     <p:spTree>
@@ -13077,15 +12964,15 @@
           <a:p>
             <a:r>
               <a:rPr lang="zh-CN" altLang="en-US" dirty="0"/>
-              <a:t>需求分析</a:t>
+              <a:t>通信与驱动设计</a:t>
             </a:r>
             <a:r>
               <a:rPr lang="en-US" altLang="zh-CN" dirty="0"/>
-              <a:t>——</a:t>
-            </a:r>
-            <a:r>
-              <a:rPr lang="zh-CN" altLang="en-US" dirty="0"/>
-              <a:t>电气</a:t>
+              <a:t>-</a:t>
+            </a:r>
+            <a:r>
+              <a:rPr lang="zh-CN" altLang="en-US" dirty="0"/>
+              <a:t>基本模块</a:t>
             </a:r>
           </a:p>
         </p:txBody>
@@ -13606,6 +13493,323 @@
 </p:sld>
 </file>
 
+<file path=ppt/slides/slide36.xml><?xml version="1.0" encoding="utf-8"?>
+<p:sld xmlns:a="http://schemas.openxmlformats.org/drawingml/2006/main" xmlns:r="http://schemas.openxmlformats.org/officeDocument/2006/relationships" xmlns:p="http://schemas.openxmlformats.org/presentationml/2006/main">
+  <p:cSld>
+    <p:spTree>
+      <p:nvGrpSpPr>
+        <p:cNvPr id="1" name=""/>
+        <p:cNvGrpSpPr/>
+        <p:nvPr/>
+      </p:nvGrpSpPr>
+      <p:grpSpPr>
+        <a:xfrm>
+          <a:off x="0" y="0"/>
+          <a:ext cx="0" cy="0"/>
+          <a:chOff x="0" y="0"/>
+          <a:chExt cx="0" cy="0"/>
+        </a:xfrm>
+      </p:grpSpPr>
+      <p:sp>
+        <p:nvSpPr>
+          <p:cNvPr id="2" name="标题 1"/>
+          <p:cNvSpPr>
+            <a:spLocks noGrp="1"/>
+          </p:cNvSpPr>
+          <p:nvPr>
+            <p:ph type="title" idx="4294967295"/>
+          </p:nvPr>
+        </p:nvSpPr>
+        <p:spPr>
+          <a:xfrm>
+            <a:off x="0" y="1484313"/>
+            <a:ext cx="9571038" cy="1003300"/>
+          </a:xfrm>
+          <a:prstGeom prst="rect">
+            <a:avLst/>
+          </a:prstGeom>
+        </p:spPr>
+        <p:txBody>
+          <a:bodyPr>
+            <a:normAutofit/>
+          </a:bodyPr>
+          <a:lstStyle/>
+          <a:p>
+            <a:r>
+              <a:rPr lang="zh-CN" altLang="en-US" b="1" spc="200" dirty="0">
+                <a:solidFill>
+                  <a:srgbClr val="FFFFFF"/>
+                </a:solidFill>
+                <a:latin typeface="Microsoft YaHei Bold" panose="020B0503020204020204" charset="-122"/>
+                <a:ea typeface="Microsoft YaHei Bold" panose="020B0503020204020204" charset="-122"/>
+              </a:rPr>
+              <a:t>通信模块设计</a:t>
+            </a:r>
+            <a:endParaRPr lang="zh-CN" altLang="zh-CN" sz="4400" b="1" spc="200" dirty="0">
+              <a:solidFill>
+                <a:srgbClr val="FFFFFF"/>
+              </a:solidFill>
+              <a:uFillTx/>
+              <a:latin typeface="Microsoft YaHei Bold" panose="020B0503020204020204" charset="-122"/>
+              <a:ea typeface="Microsoft YaHei Bold" panose="020B0503020204020204" charset="-122"/>
+            </a:endParaRPr>
+          </a:p>
+        </p:txBody>
+      </p:sp>
+    </p:spTree>
+    <p:extLst>
+      <p:ext uri="{BB962C8B-B14F-4D97-AF65-F5344CB8AC3E}">
+        <p14:creationId xmlns:p14="http://schemas.microsoft.com/office/powerpoint/2010/main" val="2686975442"/>
+      </p:ext>
+    </p:extLst>
+  </p:cSld>
+  <p:clrMapOvr>
+    <a:masterClrMapping/>
+  </p:clrMapOvr>
+</p:sld>
+</file>
+
+<file path=ppt/slides/slide37.xml><?xml version="1.0" encoding="utf-8"?>
+<p:sld xmlns:a="http://schemas.openxmlformats.org/drawingml/2006/main" xmlns:r="http://schemas.openxmlformats.org/officeDocument/2006/relationships" xmlns:p="http://schemas.openxmlformats.org/presentationml/2006/main">
+  <p:cSld>
+    <p:spTree>
+      <p:nvGrpSpPr>
+        <p:cNvPr id="1" name=""/>
+        <p:cNvGrpSpPr/>
+        <p:nvPr/>
+      </p:nvGrpSpPr>
+      <p:grpSpPr>
+        <a:xfrm>
+          <a:off x="0" y="0"/>
+          <a:ext cx="0" cy="0"/>
+          <a:chOff x="0" y="0"/>
+          <a:chExt cx="0" cy="0"/>
+        </a:xfrm>
+      </p:grpSpPr>
+      <p:sp>
+        <p:nvSpPr>
+          <p:cNvPr id="2" name="标题 1">
+            <a:extLst>
+              <a:ext uri="{FF2B5EF4-FFF2-40B4-BE49-F238E27FC236}">
+                <a16:creationId xmlns:a16="http://schemas.microsoft.com/office/drawing/2014/main" id="{6BEADDC3-B002-A220-24D6-C1A95402C2CC}"/>
+              </a:ext>
+            </a:extLst>
+          </p:cNvPr>
+          <p:cNvSpPr>
+            <a:spLocks noGrp="1"/>
+          </p:cNvSpPr>
+          <p:nvPr>
+            <p:ph type="title"/>
+          </p:nvPr>
+        </p:nvSpPr>
+        <p:spPr/>
+        <p:txBody>
+          <a:bodyPr/>
+          <a:lstStyle/>
+          <a:p>
+            <a:r>
+              <a:rPr lang="zh-CN" altLang="en-US" dirty="0"/>
+              <a:t>通信与驱动设计</a:t>
+            </a:r>
+            <a:r>
+              <a:rPr lang="en-US" altLang="zh-CN" dirty="0"/>
+              <a:t>——</a:t>
+            </a:r>
+            <a:r>
+              <a:rPr lang="zh-CN" altLang="en-US" dirty="0"/>
+              <a:t>通信</a:t>
+            </a:r>
+          </a:p>
+        </p:txBody>
+      </p:sp>
+      <p:sp>
+        <p:nvSpPr>
+          <p:cNvPr id="3" name="文本占位符 2">
+            <a:extLst>
+              <a:ext uri="{FF2B5EF4-FFF2-40B4-BE49-F238E27FC236}">
+                <a16:creationId xmlns:a16="http://schemas.microsoft.com/office/drawing/2014/main" id="{1A4952E6-1AA6-40E7-FDBE-74C587CDAE24}"/>
+              </a:ext>
+            </a:extLst>
+          </p:cNvPr>
+          <p:cNvSpPr>
+            <a:spLocks noGrp="1"/>
+          </p:cNvSpPr>
+          <p:nvPr>
+            <p:ph type="body" sz="half" idx="25"/>
+          </p:nvPr>
+        </p:nvSpPr>
+        <p:spPr/>
+        <p:txBody>
+          <a:bodyPr/>
+          <a:lstStyle/>
+          <a:p>
+            <a:r>
+              <a:rPr lang="en-US" altLang="zh-CN" dirty="0"/>
+              <a:t>04</a:t>
+            </a:r>
+            <a:endParaRPr lang="zh-CN" altLang="en-US" dirty="0"/>
+          </a:p>
+        </p:txBody>
+      </p:sp>
+      <p:sp>
+        <p:nvSpPr>
+          <p:cNvPr id="4" name="文本占位符 3">
+            <a:extLst>
+              <a:ext uri="{FF2B5EF4-FFF2-40B4-BE49-F238E27FC236}">
+                <a16:creationId xmlns:a16="http://schemas.microsoft.com/office/drawing/2014/main" id="{221EA1F1-8C02-DC62-E35F-43F18992D1D9}"/>
+              </a:ext>
+            </a:extLst>
+          </p:cNvPr>
+          <p:cNvSpPr>
+            <a:spLocks noGrp="1"/>
+          </p:cNvSpPr>
+          <p:nvPr>
+            <p:ph type="body" sz="half" idx="2"/>
+          </p:nvPr>
+        </p:nvSpPr>
+        <p:spPr>
+          <a:xfrm>
+            <a:off x="1762310" y="1978661"/>
+            <a:ext cx="8421452" cy="3611880"/>
+          </a:xfrm>
+        </p:spPr>
+        <p:txBody>
+          <a:bodyPr>
+            <a:normAutofit/>
+          </a:bodyPr>
+          <a:lstStyle/>
+          <a:p>
+            <a:pPr marL="0" indent="0">
+              <a:buNone/>
+            </a:pPr>
+            <a:r>
+              <a:rPr lang="zh-CN" altLang="en-US" b="1" dirty="0"/>
+              <a:t>蓝牙模块 </a:t>
+            </a:r>
+            <a:endParaRPr lang="en-US" altLang="zh-CN" b="1" dirty="0"/>
+          </a:p>
+          <a:p>
+            <a:r>
+              <a:rPr lang="zh-CN" altLang="en-US" dirty="0"/>
+              <a:t>我们的场景中通信距离短、有抗干扰需求的情况，我们选择使用蓝牙模块实现通信。</a:t>
+            </a:r>
+            <a:endParaRPr lang="en-US" altLang="zh-CN" dirty="0"/>
+          </a:p>
+          <a:p>
+            <a:r>
+              <a:rPr lang="zh-CN" altLang="en-US" dirty="0"/>
+              <a:t>蓝</a:t>
+            </a:r>
+            <a:r>
+              <a:rPr lang="zh-CN" altLang="en-US"/>
+              <a:t>牙模块有着</a:t>
+            </a:r>
+            <a:r>
+              <a:rPr lang="zh-CN" altLang="en-US" dirty="0"/>
+              <a:t>体积小、易集成、功耗低的特点，对于</a:t>
+            </a:r>
+            <a:r>
+              <a:rPr lang="zh-CN" altLang="en-US" b="1" dirty="0"/>
+              <a:t>车载设计友好</a:t>
+            </a:r>
+            <a:r>
+              <a:rPr lang="zh-CN" altLang="en-US" dirty="0"/>
+              <a:t>。</a:t>
+            </a:r>
+            <a:endParaRPr lang="en-US" altLang="zh-CN" dirty="0"/>
+          </a:p>
+          <a:p>
+            <a:r>
+              <a:rPr lang="zh-CN" altLang="en-US" dirty="0"/>
+              <a:t>蓝牙通信协议的跳频</a:t>
+            </a:r>
+            <a:r>
+              <a:rPr lang="en-US" altLang="zh-CN" dirty="0"/>
+              <a:t>-</a:t>
+            </a:r>
+            <a:r>
+              <a:rPr lang="zh-CN" altLang="en-US" dirty="0"/>
+              <a:t>扩频机制提供了很好的</a:t>
+            </a:r>
+            <a:r>
+              <a:rPr lang="zh-CN" altLang="en-US" b="1" dirty="0"/>
+              <a:t>抗干扰能力</a:t>
+            </a:r>
+            <a:r>
+              <a:rPr lang="zh-CN" altLang="en-US" dirty="0"/>
+              <a:t>。</a:t>
+            </a:r>
+            <a:endParaRPr lang="en-US" altLang="zh-CN" dirty="0"/>
+          </a:p>
+          <a:p>
+            <a:r>
+              <a:rPr lang="en-US" altLang="zh-CN" dirty="0"/>
+              <a:t>2.4G</a:t>
+            </a:r>
+            <a:r>
+              <a:rPr lang="zh-CN" altLang="en-US" dirty="0"/>
+              <a:t>的电磁波可以穿过大多材料的障碍物，利于小车行驶时仍然保持与控制终端的</a:t>
+            </a:r>
+            <a:r>
+              <a:rPr lang="zh-CN" altLang="en-US" b="1" dirty="0"/>
+              <a:t>稳定信息交换。</a:t>
+            </a:r>
+            <a:endParaRPr lang="en-US" altLang="zh-CN" b="1" dirty="0"/>
+          </a:p>
+          <a:p>
+            <a:r>
+              <a:rPr lang="en-US" altLang="zh-CN" dirty="0"/>
+              <a:t>HC-05</a:t>
+            </a:r>
+            <a:r>
+              <a:rPr lang="zh-CN" altLang="en-US" dirty="0"/>
+              <a:t>相关资料多，配套开发工具丰富，学习使用便捷。</a:t>
+            </a:r>
+            <a:endParaRPr lang="en-US" altLang="zh-CN" b="1" dirty="0"/>
+          </a:p>
+        </p:txBody>
+      </p:sp>
+      <p:sp>
+        <p:nvSpPr>
+          <p:cNvPr id="6" name="文本占位符 5">
+            <a:extLst>
+              <a:ext uri="{FF2B5EF4-FFF2-40B4-BE49-F238E27FC236}">
+                <a16:creationId xmlns:a16="http://schemas.microsoft.com/office/drawing/2014/main" id="{8369D94C-E1B9-C600-1B05-5DFE21BE8262}"/>
+              </a:ext>
+            </a:extLst>
+          </p:cNvPr>
+          <p:cNvSpPr>
+            <a:spLocks noGrp="1"/>
+          </p:cNvSpPr>
+          <p:nvPr>
+            <p:ph type="body" sz="half" idx="24"/>
+          </p:nvPr>
+        </p:nvSpPr>
+        <p:spPr/>
+        <p:txBody>
+          <a:bodyPr/>
+          <a:lstStyle/>
+          <a:p>
+            <a:r>
+              <a:rPr lang="zh-CN" altLang="en-US" dirty="0"/>
+              <a:t>数据通信和回传</a:t>
+            </a:r>
+          </a:p>
+        </p:txBody>
+      </p:sp>
+    </p:spTree>
+    <p:extLst>
+      <p:ext uri="{BB962C8B-B14F-4D97-AF65-F5344CB8AC3E}">
+        <p14:creationId xmlns:p14="http://schemas.microsoft.com/office/powerpoint/2010/main" val="1125063116"/>
+      </p:ext>
+    </p:extLst>
+  </p:cSld>
+  <p:clrMapOvr>
+    <a:masterClrMapping/>
+  </p:clrMapOvr>
+</p:sld>
+</file>
+
 <file path=ppt/slides/slide38.xml><?xml version="1.0" encoding="utf-8"?>
 <p:sld xmlns:a="http://schemas.openxmlformats.org/drawingml/2006/main" xmlns:r="http://schemas.openxmlformats.org/officeDocument/2006/relationships" xmlns:p="http://schemas.openxmlformats.org/presentationml/2006/main">
   <p:cSld>
@@ -13646,240 +13850,7 @@
           <a:p>
             <a:r>
               <a:rPr lang="zh-CN" altLang="en-US" dirty="0"/>
-              <a:t>原型设计</a:t>
-            </a:r>
-            <a:r>
-              <a:rPr lang="en-US" altLang="zh-CN" dirty="0"/>
-              <a:t>——</a:t>
-            </a:r>
-            <a:r>
-              <a:rPr lang="zh-CN" altLang="en-US" dirty="0"/>
-              <a:t>通信</a:t>
-            </a:r>
-          </a:p>
-        </p:txBody>
-      </p:sp>
-      <p:sp>
-        <p:nvSpPr>
-          <p:cNvPr id="3" name="文本占位符 2">
-            <a:extLst>
-              <a:ext uri="{FF2B5EF4-FFF2-40B4-BE49-F238E27FC236}">
-                <a16:creationId xmlns:a16="http://schemas.microsoft.com/office/drawing/2014/main" id="{1A4952E6-1AA6-40E7-FDBE-74C587CDAE24}"/>
-              </a:ext>
-            </a:extLst>
-          </p:cNvPr>
-          <p:cNvSpPr>
-            <a:spLocks noGrp="1"/>
-          </p:cNvSpPr>
-          <p:nvPr>
-            <p:ph type="body" sz="half" idx="25"/>
-          </p:nvPr>
-        </p:nvSpPr>
-        <p:spPr/>
-        <p:txBody>
-          <a:bodyPr/>
-          <a:lstStyle/>
-          <a:p>
-            <a:r>
-              <a:rPr lang="en-US" altLang="zh-CN" dirty="0"/>
-              <a:t>04</a:t>
-            </a:r>
-            <a:endParaRPr lang="zh-CN" altLang="en-US" dirty="0"/>
-          </a:p>
-        </p:txBody>
-      </p:sp>
-      <p:sp>
-        <p:nvSpPr>
-          <p:cNvPr id="4" name="文本占位符 3">
-            <a:extLst>
-              <a:ext uri="{FF2B5EF4-FFF2-40B4-BE49-F238E27FC236}">
-                <a16:creationId xmlns:a16="http://schemas.microsoft.com/office/drawing/2014/main" id="{221EA1F1-8C02-DC62-E35F-43F18992D1D9}"/>
-              </a:ext>
-            </a:extLst>
-          </p:cNvPr>
-          <p:cNvSpPr>
-            <a:spLocks noGrp="1"/>
-          </p:cNvSpPr>
-          <p:nvPr>
-            <p:ph type="body" sz="half" idx="2"/>
-          </p:nvPr>
-        </p:nvSpPr>
-        <p:spPr>
-          <a:xfrm>
-            <a:off x="1762310" y="1978661"/>
-            <a:ext cx="8421452" cy="3611880"/>
-          </a:xfrm>
-        </p:spPr>
-        <p:txBody>
-          <a:bodyPr>
-            <a:normAutofit/>
-          </a:bodyPr>
-          <a:lstStyle/>
-          <a:p>
-            <a:pPr marL="0" indent="0">
-              <a:buNone/>
-            </a:pPr>
-            <a:r>
-              <a:rPr lang="zh-CN" altLang="en-US" b="1" dirty="0"/>
-              <a:t>蓝牙模块 </a:t>
-            </a:r>
-            <a:endParaRPr lang="en-US" altLang="zh-CN" b="1" dirty="0"/>
-          </a:p>
-          <a:p>
-            <a:r>
-              <a:rPr lang="zh-CN" altLang="en-US" dirty="0"/>
-              <a:t>我们的场景中通信距离短、有抗干扰需求的情况，我们选择使用蓝牙模块实现通信。</a:t>
-            </a:r>
-            <a:endParaRPr lang="en-US" altLang="zh-CN" dirty="0"/>
-          </a:p>
-          <a:p>
-            <a:r>
-              <a:rPr lang="zh-CN" altLang="en-US" dirty="0"/>
-              <a:t>蓝牙模块 有着体积小、易集成、功耗低的特点，对于</a:t>
-            </a:r>
-            <a:r>
-              <a:rPr lang="zh-CN" altLang="en-US" b="1" dirty="0"/>
-              <a:t>车载设计友好</a:t>
-            </a:r>
-            <a:r>
-              <a:rPr lang="zh-CN" altLang="en-US" dirty="0"/>
-              <a:t>。</a:t>
-            </a:r>
-            <a:endParaRPr lang="en-US" altLang="zh-CN" dirty="0"/>
-          </a:p>
-          <a:p>
-            <a:r>
-              <a:rPr lang="zh-CN" altLang="en-US" dirty="0"/>
-              <a:t>蓝牙通信协议的跳频</a:t>
-            </a:r>
-            <a:r>
-              <a:rPr lang="en-US" altLang="zh-CN" dirty="0"/>
-              <a:t>-</a:t>
-            </a:r>
-            <a:r>
-              <a:rPr lang="zh-CN" altLang="en-US" dirty="0"/>
-              <a:t>扩频机制提供了很好的</a:t>
-            </a:r>
-            <a:r>
-              <a:rPr lang="zh-CN" altLang="en-US" b="1" dirty="0"/>
-              <a:t>抗干扰能力</a:t>
-            </a:r>
-            <a:r>
-              <a:rPr lang="zh-CN" altLang="en-US" dirty="0"/>
-              <a:t>。</a:t>
-            </a:r>
-            <a:endParaRPr lang="en-US" altLang="zh-CN" dirty="0"/>
-          </a:p>
-          <a:p>
-            <a:r>
-              <a:rPr lang="en-US" altLang="zh-CN" dirty="0"/>
-              <a:t>2.4G</a:t>
-            </a:r>
-            <a:r>
-              <a:rPr lang="zh-CN" altLang="en-US" dirty="0"/>
-              <a:t>的电磁波可以穿过大多材料的障碍物，利于小车行驶时仍然保持与控制终端的</a:t>
-            </a:r>
-            <a:r>
-              <a:rPr lang="zh-CN" altLang="en-US" b="1" dirty="0"/>
-              <a:t>稳定信息交换。</a:t>
-            </a:r>
-            <a:endParaRPr lang="en-US" altLang="zh-CN" b="1" dirty="0"/>
-          </a:p>
-          <a:p>
-            <a:r>
-              <a:rPr lang="en-US" altLang="zh-CN" dirty="0"/>
-              <a:t>HC-05</a:t>
-            </a:r>
-            <a:r>
-              <a:rPr lang="zh-CN" altLang="en-US" dirty="0"/>
-              <a:t>相关资料多，配套开发工具丰富，学习使用便捷。</a:t>
-            </a:r>
-            <a:endParaRPr lang="en-US" altLang="zh-CN" b="1" dirty="0"/>
-          </a:p>
-        </p:txBody>
-      </p:sp>
-      <p:sp>
-        <p:nvSpPr>
-          <p:cNvPr id="6" name="文本占位符 5">
-            <a:extLst>
-              <a:ext uri="{FF2B5EF4-FFF2-40B4-BE49-F238E27FC236}">
-                <a16:creationId xmlns:a16="http://schemas.microsoft.com/office/drawing/2014/main" id="{8369D94C-E1B9-C600-1B05-5DFE21BE8262}"/>
-              </a:ext>
-            </a:extLst>
-          </p:cNvPr>
-          <p:cNvSpPr>
-            <a:spLocks noGrp="1"/>
-          </p:cNvSpPr>
-          <p:nvPr>
-            <p:ph type="body" sz="half" idx="24"/>
-          </p:nvPr>
-        </p:nvSpPr>
-        <p:spPr/>
-        <p:txBody>
-          <a:bodyPr/>
-          <a:lstStyle/>
-          <a:p>
-            <a:r>
-              <a:rPr lang="zh-CN" altLang="en-US" dirty="0"/>
-              <a:t>数据通信和回传</a:t>
-            </a:r>
-          </a:p>
-        </p:txBody>
-      </p:sp>
-    </p:spTree>
-    <p:extLst>
-      <p:ext uri="{BB962C8B-B14F-4D97-AF65-F5344CB8AC3E}">
-        <p14:creationId xmlns:p14="http://schemas.microsoft.com/office/powerpoint/2010/main" val="1125063116"/>
-      </p:ext>
-    </p:extLst>
-  </p:cSld>
-  <p:clrMapOvr>
-    <a:masterClrMapping/>
-  </p:clrMapOvr>
-</p:sld>
-</file>
-
-<file path=ppt/slides/slide39.xml><?xml version="1.0" encoding="utf-8"?>
-<p:sld xmlns:a="http://schemas.openxmlformats.org/drawingml/2006/main" xmlns:r="http://schemas.openxmlformats.org/officeDocument/2006/relationships" xmlns:p="http://schemas.openxmlformats.org/presentationml/2006/main">
-  <p:cSld>
-    <p:spTree>
-      <p:nvGrpSpPr>
-        <p:cNvPr id="1" name=""/>
-        <p:cNvGrpSpPr/>
-        <p:nvPr/>
-      </p:nvGrpSpPr>
-      <p:grpSpPr>
-        <a:xfrm>
-          <a:off x="0" y="0"/>
-          <a:ext cx="0" cy="0"/>
-          <a:chOff x="0" y="0"/>
-          <a:chExt cx="0" cy="0"/>
-        </a:xfrm>
-      </p:grpSpPr>
-      <p:sp>
-        <p:nvSpPr>
-          <p:cNvPr id="2" name="标题 1">
-            <a:extLst>
-              <a:ext uri="{FF2B5EF4-FFF2-40B4-BE49-F238E27FC236}">
-                <a16:creationId xmlns:a16="http://schemas.microsoft.com/office/drawing/2014/main" id="{6BEADDC3-B002-A220-24D6-C1A95402C2CC}"/>
-              </a:ext>
-            </a:extLst>
-          </p:cNvPr>
-          <p:cNvSpPr>
-            <a:spLocks noGrp="1"/>
-          </p:cNvSpPr>
-          <p:nvPr>
-            <p:ph type="title"/>
-          </p:nvPr>
-        </p:nvSpPr>
-        <p:spPr/>
-        <p:txBody>
-          <a:bodyPr/>
-          <a:lstStyle/>
-          <a:p>
-            <a:r>
-              <a:rPr lang="zh-CN" altLang="en-US" dirty="0"/>
-              <a:t>原型设计</a:t>
+              <a:t>通信与驱动设计</a:t>
             </a:r>
             <a:r>
               <a:rPr lang="en-US" altLang="zh-CN" dirty="0"/>
@@ -14056,6 +14027,82 @@
 </p:sld>
 </file>
 
+<file path=ppt/slides/slide39.xml><?xml version="1.0" encoding="utf-8"?>
+<p:sld xmlns:a="http://schemas.openxmlformats.org/drawingml/2006/main" xmlns:r="http://schemas.openxmlformats.org/officeDocument/2006/relationships" xmlns:p="http://schemas.openxmlformats.org/presentationml/2006/main">
+  <p:cSld>
+    <p:spTree>
+      <p:nvGrpSpPr>
+        <p:cNvPr id="1" name=""/>
+        <p:cNvGrpSpPr/>
+        <p:nvPr/>
+      </p:nvGrpSpPr>
+      <p:grpSpPr>
+        <a:xfrm>
+          <a:off x="0" y="0"/>
+          <a:ext cx="0" cy="0"/>
+          <a:chOff x="0" y="0"/>
+          <a:chExt cx="0" cy="0"/>
+        </a:xfrm>
+      </p:grpSpPr>
+      <p:sp>
+        <p:nvSpPr>
+          <p:cNvPr id="2" name="标题 1"/>
+          <p:cNvSpPr>
+            <a:spLocks noGrp="1"/>
+          </p:cNvSpPr>
+          <p:nvPr>
+            <p:ph type="title" idx="4294967295"/>
+          </p:nvPr>
+        </p:nvSpPr>
+        <p:spPr>
+          <a:xfrm>
+            <a:off x="0" y="1484313"/>
+            <a:ext cx="9571038" cy="1003300"/>
+          </a:xfrm>
+          <a:prstGeom prst="rect">
+            <a:avLst/>
+          </a:prstGeom>
+        </p:spPr>
+        <p:txBody>
+          <a:bodyPr>
+            <a:normAutofit/>
+          </a:bodyPr>
+          <a:lstStyle/>
+          <a:p>
+            <a:r>
+              <a:rPr lang="zh-CN" altLang="en-US" b="1" spc="200" dirty="0">
+                <a:solidFill>
+                  <a:srgbClr val="FFFFFF"/>
+                </a:solidFill>
+                <a:latin typeface="Microsoft YaHei Bold" panose="020B0503020204020204" charset="-122"/>
+                <a:ea typeface="Microsoft YaHei Bold" panose="020B0503020204020204" charset="-122"/>
+              </a:rPr>
+              <a:t>驱动模块设计</a:t>
+            </a:r>
+            <a:endParaRPr lang="zh-CN" altLang="zh-CN" sz="4400" b="1" spc="200" dirty="0">
+              <a:solidFill>
+                <a:srgbClr val="FFFFFF"/>
+              </a:solidFill>
+              <a:uFillTx/>
+              <a:latin typeface="Microsoft YaHei Bold" panose="020B0503020204020204" charset="-122"/>
+              <a:ea typeface="Microsoft YaHei Bold" panose="020B0503020204020204" charset="-122"/>
+            </a:endParaRPr>
+          </a:p>
+        </p:txBody>
+      </p:sp>
+    </p:spTree>
+    <p:extLst>
+      <p:ext uri="{BB962C8B-B14F-4D97-AF65-F5344CB8AC3E}">
+        <p14:creationId xmlns:p14="http://schemas.microsoft.com/office/powerpoint/2010/main" val="336350131"/>
+      </p:ext>
+    </p:extLst>
+  </p:cSld>
+  <p:clrMapOvr>
+    <a:masterClrMapping/>
+  </p:clrMapOvr>
+</p:sld>
+</file>
+
 <file path=ppt/slides/slide4.xml><?xml version="1.0" encoding="utf-8"?>
 <p:sld xmlns:a="http://schemas.openxmlformats.org/drawingml/2006/main" xmlns:r="http://schemas.openxmlformats.org/officeDocument/2006/relationships" xmlns:p="http://schemas.openxmlformats.org/presentationml/2006/main">
   <p:cSld>
@@ -14166,7 +14213,15 @@
           <a:p>
             <a:r>
               <a:rPr lang="zh-CN" altLang="en-US" dirty="0"/>
-              <a:t>车体空间结构：车上需要装载驱动电机、控制板、传感器等元件以及电子线路，可以考虑设计多层 结构，同时需要考虑重心的稳定性和小车的承重性能。</a:t>
+              <a:t>车体空间结构：车上需要装载驱动电机、控制板、传感器等元件以及电子线路，可以考虑</a:t>
+            </a:r>
+            <a:r>
+              <a:rPr lang="zh-CN" altLang="en-US"/>
+              <a:t>设计多层结构</a:t>
+            </a:r>
+            <a:r>
+              <a:rPr lang="zh-CN" altLang="en-US" dirty="0"/>
+              <a:t>，同时需要考虑重心的稳定性和小车的承重性能。</a:t>
             </a:r>
           </a:p>
         </p:txBody>
@@ -14241,7 +14296,228 @@
           <a:p>
             <a:r>
               <a:rPr lang="zh-CN" altLang="en-US" dirty="0"/>
-              <a:t>原型设计</a:t>
+              <a:t>通信与驱动设计</a:t>
+            </a:r>
+            <a:r>
+              <a:rPr lang="en-US" altLang="zh-CN" dirty="0"/>
+              <a:t>——</a:t>
+            </a:r>
+            <a:r>
+              <a:rPr lang="zh-CN" altLang="en-US" dirty="0"/>
+              <a:t>驱动</a:t>
+            </a:r>
+          </a:p>
+        </p:txBody>
+      </p:sp>
+      <p:sp>
+        <p:nvSpPr>
+          <p:cNvPr id="3" name="文本占位符 2">
+            <a:extLst>
+              <a:ext uri="{FF2B5EF4-FFF2-40B4-BE49-F238E27FC236}">
+                <a16:creationId xmlns:a16="http://schemas.microsoft.com/office/drawing/2014/main" id="{1A4952E6-1AA6-40E7-FDBE-74C587CDAE24}"/>
+              </a:ext>
+            </a:extLst>
+          </p:cNvPr>
+          <p:cNvSpPr>
+            <a:spLocks noGrp="1"/>
+          </p:cNvSpPr>
+          <p:nvPr>
+            <p:ph type="body" sz="half" idx="25"/>
+          </p:nvPr>
+        </p:nvSpPr>
+        <p:spPr/>
+        <p:txBody>
+          <a:bodyPr/>
+          <a:lstStyle/>
+          <a:p>
+            <a:r>
+              <a:rPr lang="en-US" altLang="zh-CN" dirty="0"/>
+              <a:t>04</a:t>
+            </a:r>
+            <a:endParaRPr lang="zh-CN" altLang="en-US" dirty="0"/>
+          </a:p>
+        </p:txBody>
+      </p:sp>
+      <p:sp>
+        <p:nvSpPr>
+          <p:cNvPr id="4" name="文本占位符 3">
+            <a:extLst>
+              <a:ext uri="{FF2B5EF4-FFF2-40B4-BE49-F238E27FC236}">
+                <a16:creationId xmlns:a16="http://schemas.microsoft.com/office/drawing/2014/main" id="{221EA1F1-8C02-DC62-E35F-43F18992D1D9}"/>
+              </a:ext>
+            </a:extLst>
+          </p:cNvPr>
+          <p:cNvSpPr>
+            <a:spLocks noGrp="1"/>
+          </p:cNvSpPr>
+          <p:nvPr>
+            <p:ph type="body" sz="half" idx="2"/>
+          </p:nvPr>
+        </p:nvSpPr>
+        <p:spPr>
+          <a:xfrm>
+            <a:off x="1858175" y="2391615"/>
+            <a:ext cx="8893400" cy="2984171"/>
+          </a:xfrm>
+        </p:spPr>
+        <p:txBody>
+          <a:bodyPr>
+            <a:normAutofit/>
+          </a:bodyPr>
+          <a:lstStyle/>
+          <a:p>
+            <a:r>
+              <a:rPr lang="en-US" altLang="zh-CN" dirty="0" err="1"/>
+              <a:t>OpenMV</a:t>
+            </a:r>
+            <a:r>
+              <a:rPr lang="en-US" altLang="zh-CN" dirty="0"/>
+              <a:t>:</a:t>
+            </a:r>
+            <a:r>
+              <a:rPr lang="zh-CN" altLang="en-US" dirty="0"/>
+              <a:t>自带单片机，不需要额外的驱动元件。</a:t>
+            </a:r>
+            <a:endParaRPr lang="en-US" altLang="zh-CN" dirty="0"/>
+          </a:p>
+          <a:p>
+            <a:r>
+              <a:rPr lang="zh-CN" altLang="en-US"/>
+              <a:t>超声波传感器：使用</a:t>
+            </a:r>
+            <a:r>
+              <a:rPr lang="en-US" altLang="zh-CN"/>
+              <a:t>UART</a:t>
+            </a:r>
+            <a:r>
+              <a:rPr lang="zh-CN" altLang="en-US"/>
+              <a:t>串口通信，不需要额外的驱动元件。</a:t>
+            </a:r>
+            <a:endParaRPr lang="en-US" altLang="zh-CN" dirty="0"/>
+          </a:p>
+          <a:p>
+            <a:r>
+              <a:rPr lang="zh-CN" altLang="en-US" dirty="0"/>
+              <a:t>里程计：里程计实际上是</a:t>
+            </a:r>
+            <a:r>
+              <a:rPr lang="zh-CN" altLang="en-US"/>
+              <a:t>一个主动轮上</a:t>
+            </a:r>
+            <a:r>
+              <a:rPr lang="zh-CN" altLang="en-US" dirty="0"/>
+              <a:t>的编码器，因此不需要进一步的驱动元件。</a:t>
+            </a:r>
+            <a:endParaRPr lang="en-US" altLang="zh-CN" dirty="0"/>
+          </a:p>
+          <a:p>
+            <a:r>
+              <a:rPr lang="zh-CN" altLang="en-US" dirty="0"/>
+              <a:t>陀螺仪：不需要额外的驱动元件，</a:t>
+            </a:r>
+            <a:r>
+              <a:rPr lang="zh-CN" altLang="en-US"/>
+              <a:t>使用</a:t>
+            </a:r>
+            <a:r>
+              <a:rPr lang="en-US" altLang="zh-CN"/>
+              <a:t>I²C</a:t>
+            </a:r>
+            <a:r>
+              <a:rPr lang="zh-CN" altLang="en-US" dirty="0"/>
+              <a:t>通信。</a:t>
+            </a:r>
+            <a:endParaRPr lang="en-US" altLang="zh-CN" dirty="0"/>
+          </a:p>
+        </p:txBody>
+      </p:sp>
+      <p:sp>
+        <p:nvSpPr>
+          <p:cNvPr id="6" name="文本占位符 5">
+            <a:extLst>
+              <a:ext uri="{FF2B5EF4-FFF2-40B4-BE49-F238E27FC236}">
+                <a16:creationId xmlns:a16="http://schemas.microsoft.com/office/drawing/2014/main" id="{8369D94C-E1B9-C600-1B05-5DFE21BE8262}"/>
+              </a:ext>
+            </a:extLst>
+          </p:cNvPr>
+          <p:cNvSpPr>
+            <a:spLocks noGrp="1"/>
+          </p:cNvSpPr>
+          <p:nvPr>
+            <p:ph type="body" sz="half" idx="24"/>
+          </p:nvPr>
+        </p:nvSpPr>
+        <p:spPr>
+          <a:xfrm>
+            <a:off x="880110" y="980440"/>
+            <a:ext cx="3101955" cy="606425"/>
+          </a:xfrm>
+        </p:spPr>
+        <p:txBody>
+          <a:bodyPr/>
+          <a:lstStyle/>
+          <a:p>
+            <a:r>
+              <a:rPr lang="zh-CN" altLang="en-US" dirty="0"/>
+              <a:t>传感器</a:t>
+            </a:r>
+          </a:p>
+        </p:txBody>
+      </p:sp>
+    </p:spTree>
+    <p:extLst>
+      <p:ext uri="{BB962C8B-B14F-4D97-AF65-F5344CB8AC3E}">
+        <p14:creationId xmlns:p14="http://schemas.microsoft.com/office/powerpoint/2010/main" val="551073825"/>
+      </p:ext>
+    </p:extLst>
+  </p:cSld>
+  <p:clrMapOvr>
+    <a:masterClrMapping/>
+  </p:clrMapOvr>
+</p:sld>
+</file>
+
+<file path=ppt/slides/slide41.xml><?xml version="1.0" encoding="utf-8"?>
+<p:sld xmlns:a="http://schemas.openxmlformats.org/drawingml/2006/main" xmlns:r="http://schemas.openxmlformats.org/officeDocument/2006/relationships" xmlns:p="http://schemas.openxmlformats.org/presentationml/2006/main">
+  <p:cSld>
+    <p:spTree>
+      <p:nvGrpSpPr>
+        <p:cNvPr id="1" name=""/>
+        <p:cNvGrpSpPr/>
+        <p:nvPr/>
+      </p:nvGrpSpPr>
+      <p:grpSpPr>
+        <a:xfrm>
+          <a:off x="0" y="0"/>
+          <a:ext cx="0" cy="0"/>
+          <a:chOff x="0" y="0"/>
+          <a:chExt cx="0" cy="0"/>
+        </a:xfrm>
+      </p:grpSpPr>
+      <p:sp>
+        <p:nvSpPr>
+          <p:cNvPr id="2" name="标题 1">
+            <a:extLst>
+              <a:ext uri="{FF2B5EF4-FFF2-40B4-BE49-F238E27FC236}">
+                <a16:creationId xmlns:a16="http://schemas.microsoft.com/office/drawing/2014/main" id="{6BEADDC3-B002-A220-24D6-C1A95402C2CC}"/>
+              </a:ext>
+            </a:extLst>
+          </p:cNvPr>
+          <p:cNvSpPr>
+            <a:spLocks noGrp="1"/>
+          </p:cNvSpPr>
+          <p:nvPr>
+            <p:ph type="title"/>
+          </p:nvPr>
+        </p:nvSpPr>
+        <p:spPr/>
+        <p:txBody>
+          <a:bodyPr/>
+          <a:lstStyle/>
+          <a:p>
+            <a:r>
+              <a:rPr lang="zh-CN" altLang="en-US" dirty="0"/>
+              <a:t>通信与驱动设计</a:t>
             </a:r>
             <a:r>
               <a:rPr lang="en-US" altLang="zh-CN" dirty="0"/>
@@ -14809,15 +15085,23 @@
             </a:r>
             <a:r>
               <a:rPr lang="zh-CN" altLang="en-US" dirty="0"/>
-              <a:t>模块同时驱动两轮电机，并使用</a:t>
-            </a:r>
-            <a:r>
-              <a:rPr lang="en-US" altLang="zh-CN" dirty="0"/>
+              <a:t>模块同时驱动两轮电机，</a:t>
+            </a:r>
+            <a:r>
+              <a:rPr lang="zh-CN" altLang="en-US"/>
+              <a:t>并使用</a:t>
+            </a:r>
+            <a:r>
+              <a:rPr lang="en-US" altLang="zh-CN"/>
               <a:t>PID</a:t>
             </a:r>
             <a:r>
-              <a:rPr lang="zh-CN" altLang="en-US" dirty="0"/>
-              <a:t>实 现电机实际速度的准确、稳定控制。</a:t>
+              <a:rPr lang="zh-CN" altLang="en-US"/>
+              <a:t>实现</a:t>
+            </a:r>
+            <a:r>
+              <a:rPr lang="zh-CN" altLang="en-US" dirty="0"/>
+              <a:t>电机实际速度的准确、稳定控制。</a:t>
             </a:r>
           </a:p>
         </p:txBody>
@@ -14826,215 +15110,6 @@
     <p:extLst>
       <p:ext uri="{BB962C8B-B14F-4D97-AF65-F5344CB8AC3E}">
         <p14:creationId xmlns:p14="http://schemas.microsoft.com/office/powerpoint/2010/main" val="2996102148"/>
-      </p:ext>
-    </p:extLst>
-  </p:cSld>
-  <p:clrMapOvr>
-    <a:masterClrMapping/>
-  </p:clrMapOvr>
-</p:sld>
-</file>
-
-<file path=ppt/slides/slide41.xml><?xml version="1.0" encoding="utf-8"?>
-<p:sld xmlns:a="http://schemas.openxmlformats.org/drawingml/2006/main" xmlns:r="http://schemas.openxmlformats.org/officeDocument/2006/relationships" xmlns:p="http://schemas.openxmlformats.org/presentationml/2006/main">
-  <p:cSld>
-    <p:spTree>
-      <p:nvGrpSpPr>
-        <p:cNvPr id="1" name=""/>
-        <p:cNvGrpSpPr/>
-        <p:nvPr/>
-      </p:nvGrpSpPr>
-      <p:grpSpPr>
-        <a:xfrm>
-          <a:off x="0" y="0"/>
-          <a:ext cx="0" cy="0"/>
-          <a:chOff x="0" y="0"/>
-          <a:chExt cx="0" cy="0"/>
-        </a:xfrm>
-      </p:grpSpPr>
-      <p:sp>
-        <p:nvSpPr>
-          <p:cNvPr id="2" name="标题 1">
-            <a:extLst>
-              <a:ext uri="{FF2B5EF4-FFF2-40B4-BE49-F238E27FC236}">
-                <a16:creationId xmlns:a16="http://schemas.microsoft.com/office/drawing/2014/main" id="{6BEADDC3-B002-A220-24D6-C1A95402C2CC}"/>
-              </a:ext>
-            </a:extLst>
-          </p:cNvPr>
-          <p:cNvSpPr>
-            <a:spLocks noGrp="1"/>
-          </p:cNvSpPr>
-          <p:nvPr>
-            <p:ph type="title"/>
-          </p:nvPr>
-        </p:nvSpPr>
-        <p:spPr/>
-        <p:txBody>
-          <a:bodyPr/>
-          <a:lstStyle/>
-          <a:p>
-            <a:r>
-              <a:rPr lang="zh-CN" altLang="en-US" dirty="0"/>
-              <a:t>原型设计</a:t>
-            </a:r>
-            <a:r>
-              <a:rPr lang="en-US" altLang="zh-CN" dirty="0"/>
-              <a:t>——</a:t>
-            </a:r>
-            <a:r>
-              <a:rPr lang="zh-CN" altLang="en-US" dirty="0"/>
-              <a:t>驱动</a:t>
-            </a:r>
-          </a:p>
-        </p:txBody>
-      </p:sp>
-      <p:sp>
-        <p:nvSpPr>
-          <p:cNvPr id="3" name="文本占位符 2">
-            <a:extLst>
-              <a:ext uri="{FF2B5EF4-FFF2-40B4-BE49-F238E27FC236}">
-                <a16:creationId xmlns:a16="http://schemas.microsoft.com/office/drawing/2014/main" id="{1A4952E6-1AA6-40E7-FDBE-74C587CDAE24}"/>
-              </a:ext>
-            </a:extLst>
-          </p:cNvPr>
-          <p:cNvSpPr>
-            <a:spLocks noGrp="1"/>
-          </p:cNvSpPr>
-          <p:nvPr>
-            <p:ph type="body" sz="half" idx="25"/>
-          </p:nvPr>
-        </p:nvSpPr>
-        <p:spPr/>
-        <p:txBody>
-          <a:bodyPr/>
-          <a:lstStyle/>
-          <a:p>
-            <a:r>
-              <a:rPr lang="en-US" altLang="zh-CN" dirty="0"/>
-              <a:t>04</a:t>
-            </a:r>
-            <a:endParaRPr lang="zh-CN" altLang="en-US" dirty="0"/>
-          </a:p>
-        </p:txBody>
-      </p:sp>
-      <p:sp>
-        <p:nvSpPr>
-          <p:cNvPr id="4" name="文本占位符 3">
-            <a:extLst>
-              <a:ext uri="{FF2B5EF4-FFF2-40B4-BE49-F238E27FC236}">
-                <a16:creationId xmlns:a16="http://schemas.microsoft.com/office/drawing/2014/main" id="{221EA1F1-8C02-DC62-E35F-43F18992D1D9}"/>
-              </a:ext>
-            </a:extLst>
-          </p:cNvPr>
-          <p:cNvSpPr>
-            <a:spLocks noGrp="1"/>
-          </p:cNvSpPr>
-          <p:nvPr>
-            <p:ph type="body" sz="half" idx="2"/>
-          </p:nvPr>
-        </p:nvSpPr>
-        <p:spPr>
-          <a:xfrm>
-            <a:off x="1858175" y="2391615"/>
-            <a:ext cx="8893400" cy="2984171"/>
-          </a:xfrm>
-        </p:spPr>
-        <p:txBody>
-          <a:bodyPr>
-            <a:normAutofit/>
-          </a:bodyPr>
-          <a:lstStyle/>
-          <a:p>
-            <a:r>
-              <a:rPr lang="en-US" altLang="zh-CN" dirty="0" err="1"/>
-              <a:t>OpenMV</a:t>
-            </a:r>
-            <a:r>
-              <a:rPr lang="en-US" altLang="zh-CN" dirty="0"/>
-              <a:t>:</a:t>
-            </a:r>
-            <a:r>
-              <a:rPr lang="zh-CN" altLang="en-US" dirty="0"/>
-              <a:t>自带单片机，不需要额外的驱动元件。</a:t>
-            </a:r>
-            <a:endParaRPr lang="en-US" altLang="zh-CN" dirty="0"/>
-          </a:p>
-          <a:p>
-            <a:r>
-              <a:rPr lang="zh-CN" altLang="en-US" dirty="0"/>
-              <a:t>激光雷达：可以使用</a:t>
-            </a:r>
-            <a:r>
-              <a:rPr lang="en-US" altLang="zh-CN" dirty="0"/>
-              <a:t>USTART</a:t>
-            </a:r>
-            <a:r>
-              <a:rPr lang="zh-CN" altLang="en-US" dirty="0"/>
-              <a:t>串口通信。</a:t>
-            </a:r>
-            <a:endParaRPr lang="en-US" altLang="zh-CN" dirty="0"/>
-          </a:p>
-          <a:p>
-            <a:r>
-              <a:rPr lang="zh-CN" altLang="en-US" dirty="0"/>
-              <a:t>里程计：里程计实际上是一个从其上的编码器，因此不需要进一步的驱动元件。</a:t>
-            </a:r>
-            <a:endParaRPr lang="en-US" altLang="zh-CN" dirty="0"/>
-          </a:p>
-          <a:p>
-            <a:r>
-              <a:rPr lang="zh-CN" altLang="en-US" dirty="0"/>
-              <a:t>陀螺仪：不需要额外的驱动元件，使用</a:t>
-            </a:r>
-            <a:r>
-              <a:rPr lang="en-US" altLang="zh-CN" dirty="0"/>
-              <a:t>I 2C</a:t>
-            </a:r>
-            <a:r>
-              <a:rPr lang="zh-CN" altLang="en-US" dirty="0"/>
-              <a:t>通信。</a:t>
-            </a:r>
-            <a:endParaRPr lang="en-US" altLang="zh-CN" dirty="0"/>
-          </a:p>
-        </p:txBody>
-      </p:sp>
-      <p:sp>
-        <p:nvSpPr>
-          <p:cNvPr id="6" name="文本占位符 5">
-            <a:extLst>
-              <a:ext uri="{FF2B5EF4-FFF2-40B4-BE49-F238E27FC236}">
-                <a16:creationId xmlns:a16="http://schemas.microsoft.com/office/drawing/2014/main" id="{8369D94C-E1B9-C600-1B05-5DFE21BE8262}"/>
-              </a:ext>
-            </a:extLst>
-          </p:cNvPr>
-          <p:cNvSpPr>
-            <a:spLocks noGrp="1"/>
-          </p:cNvSpPr>
-          <p:nvPr>
-            <p:ph type="body" sz="half" idx="24"/>
-          </p:nvPr>
-        </p:nvSpPr>
-        <p:spPr>
-          <a:xfrm>
-            <a:off x="880110" y="980440"/>
-            <a:ext cx="3101955" cy="606425"/>
-          </a:xfrm>
-        </p:spPr>
-        <p:txBody>
-          <a:bodyPr/>
-          <a:lstStyle/>
-          <a:p>
-            <a:r>
-              <a:rPr lang="zh-CN" altLang="en-US" dirty="0"/>
-              <a:t>传感器</a:t>
-            </a:r>
-          </a:p>
-        </p:txBody>
-      </p:sp>
-    </p:spTree>
-    <p:extLst>
-      <p:ext uri="{BB962C8B-B14F-4D97-AF65-F5344CB8AC3E}">
-        <p14:creationId xmlns:p14="http://schemas.microsoft.com/office/powerpoint/2010/main" val="551073825"/>
       </p:ext>
     </p:extLst>
   </p:cSld>
@@ -15128,7 +15203,7 @@
                   <a:schemeClr val="bg1"/>
                 </a:solidFill>
               </a:rPr>
-              <a:t>三人行，则必有我师焉</a:t>
+              <a:t>三人行必有我师焉</a:t>
             </a:r>
           </a:p>
         </p:txBody>
@@ -15173,6 +15248,10 @@
           <a:bodyPr/>
           <a:lstStyle/>
           <a:p>
+            <a:r>
+              <a:rPr lang="en-US" altLang="zh-CN"/>
+              <a:t>THANKS</a:t>
+            </a:r>
             <a:endParaRPr lang="zh-CN" altLang="en-US"/>
           </a:p>
         </p:txBody>
@@ -15192,6 +15271,10 @@
           <a:bodyPr/>
           <a:lstStyle/>
           <a:p>
+            <a:r>
+              <a:rPr lang="zh-CN" altLang="en-US"/>
+              <a:t>感谢</a:t>
+            </a:r>
             <a:endParaRPr lang="zh-CN" altLang="en-US" dirty="0"/>
           </a:p>
         </p:txBody>
@@ -15326,15 +15409,23 @@
           <a:p>
             <a:r>
               <a:rPr lang="zh-CN" altLang="en-US" dirty="0"/>
-              <a:t>履带式：对地面的单位压力小，摩擦力较大，抓地力较好，适合在雪地、山坡等比较恶劣 的地面环境下工作，能承受比较大的负载，但是成本比轮式</a:t>
-            </a:r>
-            <a:r>
-              <a:rPr lang="en-US" altLang="zh-CN" dirty="0"/>
-              <a:t>A</a:t>
-            </a:r>
-            <a:r>
-              <a:rPr lang="zh-CN" altLang="en-US" dirty="0"/>
-              <a:t>高很多，速度比较慢。</a:t>
+              <a:t>履带式：对地面的单位压力小，摩擦力较大，抓地力较好，适合在雪地、山坡等</a:t>
+            </a:r>
+            <a:r>
+              <a:rPr lang="zh-CN" altLang="en-US"/>
+              <a:t>比较恶劣的</a:t>
+            </a:r>
+            <a:r>
+              <a:rPr lang="zh-CN" altLang="en-US" dirty="0"/>
+              <a:t>地面环境下工作，能承受比较大的负载，但是成本</a:t>
+            </a:r>
+            <a:r>
+              <a:rPr lang="zh-CN" altLang="en-US"/>
+              <a:t>比轮式高</a:t>
+            </a:r>
+            <a:r>
+              <a:rPr lang="zh-CN" altLang="en-US" dirty="0"/>
+              <a:t>很多，速度比较慢。</a:t>
             </a:r>
             <a:endParaRPr lang="en-US" altLang="zh-CN" dirty="0"/>
           </a:p>
@@ -15525,8 +15616,12 @@
               <a:t>4</a:t>
             </a:r>
             <a:r>
-              <a:rPr lang="zh-CN" altLang="en-US" dirty="0"/>
-              <a:t>个轮 胎都近似围绕一个中心点旋转以保证汽车的行驶稳定性。</a:t>
+              <a:rPr lang="zh-CN" altLang="en-US"/>
+              <a:t>个轮胎</a:t>
+            </a:r>
+            <a:r>
+              <a:rPr lang="zh-CN" altLang="en-US" dirty="0"/>
+              <a:t>都近似围绕一个中心点旋转以保证汽车的行驶稳定性。</a:t>
             </a:r>
             <a:endParaRPr lang="en-US" altLang="zh-CN" dirty="0"/>
           </a:p>
@@ -15949,126 +16044,76 @@
           <a:lstStyle/>
           <a:p>
             <a:r>
-              <a:rPr lang="zh-CN" altLang="zh-CN" sz="1800" kern="100" dirty="0">
-                <a:effectLst/>
-                <a:latin typeface="等线" panose="02010600030101010101" pitchFamily="2" charset="-122"/>
-                <a:ea typeface="宋体" panose="02010600030101010101" pitchFamily="2" charset="-122"/>
-                <a:cs typeface="Times New Roman" panose="02020603050405020304" pitchFamily="18" charset="0"/>
-              </a:rPr>
-              <a:t>采用两个前轮驱动轮</a:t>
-            </a:r>
-            <a:r>
-              <a:rPr lang="en-US" altLang="zh-CN" sz="1800" kern="100" dirty="0">
-                <a:effectLst/>
-                <a:latin typeface="等线" panose="02010600030101010101" pitchFamily="2" charset="-122"/>
-                <a:ea typeface="宋体" panose="02010600030101010101" pitchFamily="2" charset="-122"/>
-                <a:cs typeface="Times New Roman" panose="02020603050405020304" pitchFamily="18" charset="0"/>
-              </a:rPr>
+              <a:rPr lang="zh-CN" altLang="zh-CN" sz="1700" dirty="0"/>
+              <a:t>采用两个前轮</a:t>
+            </a:r>
+            <a:r>
+              <a:rPr lang="zh-CN" altLang="zh-CN" sz="1700"/>
+              <a:t>驱动轮</a:t>
+            </a:r>
+            <a:r>
+              <a:rPr lang="en-US" altLang="zh-CN" sz="1700"/>
               <a:t>+</a:t>
             </a:r>
             <a:r>
-              <a:rPr lang="zh-CN" altLang="zh-CN" sz="1800" kern="100" dirty="0">
-                <a:effectLst/>
-                <a:latin typeface="等线" panose="02010600030101010101" pitchFamily="2" charset="-122"/>
-                <a:ea typeface="宋体" panose="02010600030101010101" pitchFamily="2" charset="-122"/>
-                <a:cs typeface="Times New Roman" panose="02020603050405020304" pitchFamily="18" charset="0"/>
-              </a:rPr>
-              <a:t>一个后轮万向轮的结构，因此车体构型接近倒三角型。</a:t>
-            </a:r>
-            <a:endParaRPr lang="en-US" altLang="zh-CN" sz="1800" kern="100" dirty="0">
-              <a:effectLst/>
-              <a:latin typeface="等线" panose="02010600030101010101" pitchFamily="2" charset="-122"/>
-              <a:ea typeface="宋体" panose="02010600030101010101" pitchFamily="2" charset="-122"/>
-              <a:cs typeface="Times New Roman" panose="02020603050405020304" pitchFamily="18" charset="0"/>
-            </a:endParaRPr>
-          </a:p>
-          <a:p>
-            <a:r>
-              <a:rPr lang="zh-CN" altLang="zh-CN" sz="1800" kern="100" dirty="0">
-                <a:effectLst/>
-                <a:latin typeface="等线" panose="02010600030101010101" pitchFamily="2" charset="-122"/>
-                <a:ea typeface="宋体" panose="02010600030101010101" pitchFamily="2" charset="-122"/>
-                <a:cs typeface="Times New Roman" panose="02020603050405020304" pitchFamily="18" charset="0"/>
-              </a:rPr>
-              <a:t>纵向上采用双层结构，下层搭载电机、电池、机械夹爪和舵机等，上层搭载各个控制硬件和通信硬件，包括</a:t>
-            </a:r>
-            <a:r>
-              <a:rPr lang="en-US" altLang="zh-CN" sz="1800" kern="100" dirty="0">
-                <a:effectLst/>
-                <a:latin typeface="等线" panose="02010600030101010101" pitchFamily="2" charset="-122"/>
-                <a:ea typeface="宋体" panose="02010600030101010101" pitchFamily="2" charset="-122"/>
-                <a:cs typeface="Times New Roman" panose="02020603050405020304" pitchFamily="18" charset="0"/>
-              </a:rPr>
+              <a:rPr lang="zh-CN" altLang="zh-CN" sz="1700" dirty="0"/>
+              <a:t>一个后轮万向轮的结构，因此车体构型接近倒三角</a:t>
+            </a:r>
+            <a:r>
+              <a:rPr lang="zh-CN" altLang="zh-CN" sz="1700"/>
+              <a:t>型。</a:t>
+            </a:r>
+            <a:endParaRPr lang="en-US" altLang="zh-CN" sz="1700" dirty="0"/>
+          </a:p>
+          <a:p>
+            <a:r>
+              <a:rPr lang="zh-CN" altLang="zh-CN" sz="1700" dirty="0"/>
+              <a:t>纵向上采用双层结构，下层搭载电机、电池、机械夹爪和舵机等，上层搭载各个控制硬件和通信硬件</a:t>
+            </a:r>
+            <a:r>
+              <a:rPr lang="zh-CN" altLang="zh-CN" sz="1700"/>
+              <a:t>，包括</a:t>
+            </a:r>
+            <a:r>
+              <a:rPr lang="en-US" altLang="zh-CN" sz="1700"/>
               <a:t>STM32</a:t>
             </a:r>
             <a:r>
-              <a:rPr lang="zh-CN" altLang="zh-CN" sz="1800" kern="100" dirty="0">
-                <a:effectLst/>
-                <a:latin typeface="等线" panose="02010600030101010101" pitchFamily="2" charset="-122"/>
-                <a:ea typeface="宋体" panose="02010600030101010101" pitchFamily="2" charset="-122"/>
-                <a:cs typeface="Times New Roman" panose="02020603050405020304" pitchFamily="18" charset="0"/>
-              </a:rPr>
-              <a:t>、电压转换模块、蓝牙模块和超声波传感器等。</a:t>
-            </a:r>
-            <a:endParaRPr lang="en-US" altLang="zh-CN" sz="1800" kern="100" dirty="0">
-              <a:effectLst/>
-              <a:latin typeface="等线" panose="02010600030101010101" pitchFamily="2" charset="-122"/>
-              <a:ea typeface="宋体" panose="02010600030101010101" pitchFamily="2" charset="-122"/>
-              <a:cs typeface="Times New Roman" panose="02020603050405020304" pitchFamily="18" charset="0"/>
-            </a:endParaRPr>
-          </a:p>
-          <a:p>
-            <a:r>
-              <a:rPr lang="zh-CN" altLang="zh-CN" sz="1800" kern="100" dirty="0">
-                <a:effectLst/>
-                <a:latin typeface="等线" panose="02010600030101010101" pitchFamily="2" charset="-122"/>
-                <a:ea typeface="宋体" panose="02010600030101010101" pitchFamily="2" charset="-122"/>
-                <a:cs typeface="Times New Roman" panose="02020603050405020304" pitchFamily="18" charset="0"/>
-              </a:rPr>
+              <a:rPr lang="zh-CN" altLang="zh-CN" sz="1700" dirty="0"/>
+              <a:t>、电压转换模块、蓝牙模块和超声波传感器</a:t>
+            </a:r>
+            <a:r>
+              <a:rPr lang="zh-CN" altLang="zh-CN" sz="1700"/>
+              <a:t>等。</a:t>
+            </a:r>
+            <a:endParaRPr lang="en-US" altLang="zh-CN" sz="1700" dirty="0"/>
+          </a:p>
+          <a:p>
+            <a:r>
+              <a:rPr lang="zh-CN" altLang="zh-CN" sz="1700"/>
               <a:t>为了让</a:t>
             </a:r>
             <a:r>
-              <a:rPr lang="en-US" altLang="zh-CN" sz="1800" kern="100" dirty="0" err="1">
-                <a:effectLst/>
-                <a:latin typeface="等线" panose="02010600030101010101" pitchFamily="2" charset="-122"/>
-                <a:ea typeface="宋体" panose="02010600030101010101" pitchFamily="2" charset="-122"/>
-                <a:cs typeface="Times New Roman" panose="02020603050405020304" pitchFamily="18" charset="0"/>
-              </a:rPr>
+              <a:rPr lang="en-US" altLang="zh-CN" sz="1700"/>
               <a:t>OpenMV</a:t>
             </a:r>
             <a:r>
-              <a:rPr lang="zh-CN" altLang="zh-CN" sz="1800" kern="100" dirty="0">
-                <a:effectLst/>
-                <a:latin typeface="等线" panose="02010600030101010101" pitchFamily="2" charset="-122"/>
-                <a:ea typeface="宋体" panose="02010600030101010101" pitchFamily="2" charset="-122"/>
-                <a:cs typeface="Times New Roman" panose="02020603050405020304" pitchFamily="18" charset="0"/>
-              </a:rPr>
-              <a:t>工作效果更好，将其放置到更高的位置上，便于增加</a:t>
-            </a:r>
-            <a:r>
-              <a:rPr lang="zh-CN" altLang="en-US" sz="1800" kern="100" dirty="0">
-                <a:effectLst/>
-                <a:latin typeface="等线" panose="02010600030101010101" pitchFamily="2" charset="-122"/>
-                <a:ea typeface="宋体" panose="02010600030101010101" pitchFamily="2" charset="-122"/>
-                <a:cs typeface="Times New Roman" panose="02020603050405020304" pitchFamily="18" charset="0"/>
-              </a:rPr>
+              <a:rPr lang="zh-CN" altLang="zh-CN" sz="1700" dirty="0"/>
+              <a:t>工作效果更好，将其放置到更高的位置上，</a:t>
+            </a:r>
+            <a:r>
+              <a:rPr lang="zh-CN" altLang="zh-CN" sz="1700"/>
+              <a:t>便于增加</a:t>
+            </a:r>
+            <a:r>
+              <a:rPr lang="zh-CN" altLang="en-US" sz="1700"/>
               <a:t>视野</a:t>
             </a:r>
             <a:r>
-              <a:rPr lang="zh-CN" altLang="zh-CN" sz="1800" kern="100" dirty="0">
-                <a:effectLst/>
-                <a:latin typeface="等线" panose="02010600030101010101" pitchFamily="2" charset="-122"/>
-                <a:ea typeface="宋体" panose="02010600030101010101" pitchFamily="2" charset="-122"/>
-                <a:cs typeface="Times New Roman" panose="02020603050405020304" pitchFamily="18" charset="0"/>
-              </a:rPr>
+              <a:rPr lang="zh-CN" altLang="zh-CN" sz="1700"/>
               <a:t>。</a:t>
             </a:r>
-            <a:endParaRPr lang="zh-CN" altLang="zh-CN" sz="1800" kern="100" dirty="0">
-              <a:effectLst/>
-              <a:latin typeface="等线" panose="02010600030101010101" pitchFamily="2" charset="-122"/>
-              <a:ea typeface="等线" panose="02010600030101010101" pitchFamily="2" charset="-122"/>
-              <a:cs typeface="Times New Roman" panose="02020603050405020304" pitchFamily="18" charset="0"/>
-            </a:endParaRPr>
+            <a:endParaRPr lang="zh-CN" altLang="zh-CN" sz="1700" dirty="0"/>
           </a:p>
           <a:p>
             <a:endParaRPr lang="en-US" altLang="zh-CN" dirty="0"/>
